--- a/Slides/u04_Ch13_multcomp.pptx
+++ b/Slides/u04_Ch13_multcomp.pptx
@@ -282,7 +282,7 @@
           <a:p>
             <a:fld id="{463B2355-98C8-451F-BE71-5FA915B2B77F}" type="datetimeFigureOut">
               <a:rPr lang="en-US" smtClean="0"/>
-              <a:t>3/10/18</a:t>
+              <a:t>3/22/18</a:t>
             </a:fld>
             <a:endParaRPr lang="en-US"/>
           </a:p>
@@ -864,7 +864,7 @@
           <a:p>
             <a:fld id="{BF51102F-D16F-450B-92EC-1636F3DEA3CF}" type="datetime1">
               <a:rPr lang="en-US" smtClean="0"/>
-              <a:t>3/10/18</a:t>
+              <a:t>3/22/18</a:t>
             </a:fld>
             <a:endParaRPr lang="en-US"/>
           </a:p>
@@ -1066,7 +1066,7 @@
           <a:p>
             <a:fld id="{3EF881BE-3647-4E8E-965D-9BE37AB12216}" type="datetime1">
               <a:rPr lang="en-US" smtClean="0"/>
-              <a:t>3/10/18</a:t>
+              <a:t>3/22/18</a:t>
             </a:fld>
             <a:endParaRPr lang="en-US"/>
           </a:p>
@@ -1278,7 +1278,7 @@
           <a:p>
             <a:fld id="{F4EBB052-23E7-4B7D-8887-7C9A087AFF7E}" type="datetime1">
               <a:rPr lang="en-US" smtClean="0"/>
-              <a:t>3/10/18</a:t>
+              <a:t>3/22/18</a:t>
             </a:fld>
             <a:endParaRPr lang="en-US"/>
           </a:p>
@@ -1480,7 +1480,7 @@
           <a:p>
             <a:fld id="{75B54F45-174B-43C8-9A57-238A510789D3}" type="datetime1">
               <a:rPr lang="en-US" smtClean="0"/>
-              <a:t>3/10/18</a:t>
+              <a:t>3/22/18</a:t>
             </a:fld>
             <a:endParaRPr lang="en-US"/>
           </a:p>
@@ -1759,7 +1759,7 @@
           <a:p>
             <a:fld id="{6EAFBBBC-1B30-4B3A-BC65-2F22068A25A0}" type="datetime1">
               <a:rPr lang="en-US" smtClean="0"/>
-              <a:t>3/10/18</a:t>
+              <a:t>3/22/18</a:t>
             </a:fld>
             <a:endParaRPr lang="en-US"/>
           </a:p>
@@ -2028,7 +2028,7 @@
           <a:p>
             <a:fld id="{6D56A113-6C84-4778-8F17-4570CE1EEC73}" type="datetime1">
               <a:rPr lang="en-US" smtClean="0"/>
-              <a:t>3/10/18</a:t>
+              <a:t>3/22/18</a:t>
             </a:fld>
             <a:endParaRPr lang="en-US"/>
           </a:p>
@@ -2444,7 +2444,7 @@
           <a:p>
             <a:fld id="{CC490D4F-B031-4E88-922B-2BF67D689489}" type="datetime1">
               <a:rPr lang="en-US" smtClean="0"/>
-              <a:t>3/10/18</a:t>
+              <a:t>3/22/18</a:t>
             </a:fld>
             <a:endParaRPr lang="en-US"/>
           </a:p>
@@ -2589,7 +2589,7 @@
           <a:p>
             <a:fld id="{9F36D5CD-407C-4B80-844A-D4664471AA78}" type="datetime1">
               <a:rPr lang="en-US" smtClean="0"/>
-              <a:t>3/10/18</a:t>
+              <a:t>3/22/18</a:t>
             </a:fld>
             <a:endParaRPr lang="en-US"/>
           </a:p>
@@ -2706,7 +2706,7 @@
           <a:p>
             <a:fld id="{BFDC0ADA-5853-4B4D-BD40-725524069051}" type="datetime1">
               <a:rPr lang="en-US" smtClean="0"/>
-              <a:t>3/10/18</a:t>
+              <a:t>3/22/18</a:t>
             </a:fld>
             <a:endParaRPr lang="en-US"/>
           </a:p>
@@ -3021,7 +3021,7 @@
           <a:p>
             <a:fld id="{15E750BA-3ABA-4E54-87AF-6CF52D58B6D6}" type="datetime1">
               <a:rPr lang="en-US" smtClean="0"/>
-              <a:t>3/10/18</a:t>
+              <a:t>3/22/18</a:t>
             </a:fld>
             <a:endParaRPr lang="en-US"/>
           </a:p>
@@ -3313,7 +3313,7 @@
           <a:p>
             <a:fld id="{E19E4165-8A58-43E7-B212-26BE50C443F8}" type="datetime1">
               <a:rPr lang="en-US" smtClean="0"/>
-              <a:t>3/10/18</a:t>
+              <a:t>3/22/18</a:t>
             </a:fld>
             <a:endParaRPr lang="en-US"/>
           </a:p>
@@ -3558,7 +3558,7 @@
           <a:p>
             <a:fld id="{E5047E7D-B7F7-4472-A3DB-C42A1857E6E4}" type="datetime1">
               <a:rPr lang="en-US" smtClean="0"/>
-              <a:t>3/10/18</a:t>
+              <a:t>3/22/18</a:t>
             </a:fld>
             <a:endParaRPr lang="en-US"/>
           </a:p>
@@ -9047,7 +9047,7 @@
           <a:graphicData uri="http://schemas.openxmlformats.org/presentationml/2006/ole">
             <mc:AlternateContent xmlns:mc="http://schemas.openxmlformats.org/markup-compatibility/2006">
               <mc:Choice xmlns:v="urn:schemas-microsoft-com:vml" Requires="v">
-                <p:oleObj spid="_x0000_s2203" name="Equation" r:id="rId3" imgW="2336760" imgH="431640" progId="Equation.DSMT4">
+                <p:oleObj spid="_x0000_s2221" name="Equation" r:id="rId3" imgW="2336760" imgH="431640" progId="Equation.DSMT4">
                   <p:embed/>
                 </p:oleObj>
               </mc:Choice>
@@ -9120,7 +9120,7 @@
           <a:graphicData uri="http://schemas.openxmlformats.org/presentationml/2006/ole">
             <mc:AlternateContent xmlns:mc="http://schemas.openxmlformats.org/markup-compatibility/2006">
               <mc:Choice xmlns:v="urn:schemas-microsoft-com:vml" Requires="v">
-                <p:oleObj spid="_x0000_s2204" name="Equation" r:id="rId5" imgW="2806560" imgH="241200" progId="Equation.DSMT4">
+                <p:oleObj spid="_x0000_s2222" name="Equation" r:id="rId5" imgW="2806560" imgH="241200" progId="Equation.DSMT4">
                   <p:embed/>
                 </p:oleObj>
               </mc:Choice>
@@ -9188,7 +9188,7 @@
           <a:graphicData uri="http://schemas.openxmlformats.org/presentationml/2006/ole">
             <mc:AlternateContent xmlns:mc="http://schemas.openxmlformats.org/markup-compatibility/2006">
               <mc:Choice xmlns:v="urn:schemas-microsoft-com:vml" Requires="v">
-                <p:oleObj spid="_x0000_s2205" name="Equation" r:id="rId7" imgW="3987720" imgH="406080" progId="Equation.DSMT4">
+                <p:oleObj spid="_x0000_s2223" name="Equation" r:id="rId7" imgW="3987720" imgH="406080" progId="Equation.DSMT4">
                   <p:embed/>
                 </p:oleObj>
               </mc:Choice>
@@ -9982,7 +9982,7 @@
           <a:graphicData uri="http://schemas.openxmlformats.org/presentationml/2006/ole">
             <mc:AlternateContent xmlns:mc="http://schemas.openxmlformats.org/markup-compatibility/2006">
               <mc:Choice xmlns:v="urn:schemas-microsoft-com:vml" Requires="v">
-                <p:oleObj spid="_x0000_s3229" name="Equation" r:id="rId3" imgW="2006280" imgH="888840" progId="Equation.DSMT4">
+                <p:oleObj spid="_x0000_s3247" name="Equation" r:id="rId3" imgW="2006280" imgH="888840" progId="Equation.DSMT4">
                   <p:embed/>
                 </p:oleObj>
               </mc:Choice>
@@ -10053,7 +10053,7 @@
           <a:graphicData uri="http://schemas.openxmlformats.org/presentationml/2006/ole">
             <mc:AlternateContent xmlns:mc="http://schemas.openxmlformats.org/markup-compatibility/2006">
               <mc:Choice xmlns:v="urn:schemas-microsoft-com:vml" Requires="v">
-                <p:oleObj spid="_x0000_s3230" name="Equation" r:id="rId5" imgW="2044440" imgH="952200" progId="Equation.DSMT4">
+                <p:oleObj spid="_x0000_s3248" name="Equation" r:id="rId5" imgW="2044440" imgH="952200" progId="Equation.DSMT4">
                   <p:embed/>
                 </p:oleObj>
               </mc:Choice>
@@ -10932,7 +10932,7 @@
           <a:graphicData uri="http://schemas.openxmlformats.org/presentationml/2006/ole">
             <mc:AlternateContent xmlns:mc="http://schemas.openxmlformats.org/markup-compatibility/2006">
               <mc:Choice xmlns:v="urn:schemas-microsoft-com:vml" Requires="v">
-                <p:oleObj spid="_x0000_s3231" name="Equation" r:id="rId7" imgW="3759120" imgH="749160" progId="Equation.DSMT4">
+                <p:oleObj spid="_x0000_s3249" name="Equation" r:id="rId7" imgW="3759120" imgH="749160" progId="Equation.DSMT4">
                   <p:embed/>
                 </p:oleObj>
               </mc:Choice>
@@ -17674,7 +17674,7 @@
           <a:graphicData uri="http://schemas.openxmlformats.org/presentationml/2006/ole">
             <mc:AlternateContent xmlns:mc="http://schemas.openxmlformats.org/markup-compatibility/2006">
               <mc:Choice xmlns:v="urn:schemas-microsoft-com:vml" Requires="v">
-                <p:oleObj spid="_x0000_s4198" name="Equation" r:id="rId3" imgW="583920" imgH="444240" progId="Equation.DSMT4">
+                <p:oleObj spid="_x0000_s4210" name="Equation" r:id="rId3" imgW="583920" imgH="444240" progId="Equation.DSMT4">
                   <p:embed/>
                 </p:oleObj>
               </mc:Choice>
@@ -17742,7 +17742,7 @@
           <a:graphicData uri="http://schemas.openxmlformats.org/presentationml/2006/ole">
             <mc:AlternateContent xmlns:mc="http://schemas.openxmlformats.org/markup-compatibility/2006">
               <mc:Choice xmlns:v="urn:schemas-microsoft-com:vml" Requires="v">
-                <p:oleObj spid="_x0000_s4199" name="Equation" r:id="rId5" imgW="939600" imgH="444240" progId="Equation.DSMT4">
+                <p:oleObj spid="_x0000_s4211" name="Equation" r:id="rId5" imgW="939600" imgH="444240" progId="Equation.DSMT4">
                   <p:embed/>
                 </p:oleObj>
               </mc:Choice>
@@ -19399,7 +19399,7 @@
           <a:graphicData uri="http://schemas.openxmlformats.org/presentationml/2006/ole">
             <mc:AlternateContent xmlns:mc="http://schemas.openxmlformats.org/markup-compatibility/2006">
               <mc:Choice xmlns:v="urn:schemas-microsoft-com:vml" Requires="v">
-                <p:oleObj spid="_x0000_s5222" name="Equation" r:id="rId3" imgW="495000" imgH="495000" progId="Equation.DSMT4">
+                <p:oleObj spid="_x0000_s5234" name="Equation" r:id="rId3" imgW="495000" imgH="495000" progId="Equation.DSMT4">
                   <p:embed/>
                 </p:oleObj>
               </mc:Choice>
@@ -20046,7 +20046,7 @@
           <a:graphicData uri="http://schemas.openxmlformats.org/presentationml/2006/ole">
             <mc:AlternateContent xmlns:mc="http://schemas.openxmlformats.org/markup-compatibility/2006">
               <mc:Choice xmlns:v="urn:schemas-microsoft-com:vml" Requires="v">
-                <p:oleObj spid="_x0000_s5223" name="Equation" r:id="rId5" imgW="787320" imgH="698400" progId="Equation.DSMT4">
+                <p:oleObj spid="_x0000_s5235" name="Equation" r:id="rId5" imgW="787320" imgH="698400" progId="Equation.DSMT4">
                   <p:embed/>
                 </p:oleObj>
               </mc:Choice>
@@ -21806,7 +21806,7 @@
           <a:graphicData uri="http://schemas.openxmlformats.org/presentationml/2006/ole">
             <mc:AlternateContent xmlns:mc="http://schemas.openxmlformats.org/markup-compatibility/2006">
               <mc:Choice xmlns:v="urn:schemas-microsoft-com:vml" Requires="v">
-                <p:oleObj spid="_x0000_s6197" name="Equation" r:id="rId3" imgW="787320" imgH="698400" progId="Equation.DSMT4">
+                <p:oleObj spid="_x0000_s6203" name="Equation" r:id="rId3" imgW="787320" imgH="698400" progId="Equation.DSMT4">
                   <p:embed/>
                 </p:oleObj>
               </mc:Choice>
@@ -23443,7 +23443,7 @@
           <a:graphicData uri="http://schemas.openxmlformats.org/presentationml/2006/ole">
             <mc:AlternateContent xmlns:mc="http://schemas.openxmlformats.org/markup-compatibility/2006">
               <mc:Choice xmlns:v="urn:schemas-microsoft-com:vml" Requires="v">
-                <p:oleObj spid="_x0000_s7220" name="Equation" r:id="rId3" imgW="787320" imgH="698400" progId="Equation.DSMT4">
+                <p:oleObj spid="_x0000_s7226" name="Equation" r:id="rId3" imgW="787320" imgH="698400" progId="Equation.DSMT4">
                   <p:embed/>
                 </p:oleObj>
               </mc:Choice>
@@ -23677,8 +23677,8 @@
           </a:p>
         </p:txBody>
       </p:sp>
-      <mc:AlternateContent xmlns:mc="http://schemas.openxmlformats.org/markup-compatibility/2006">
-        <mc:Choice xmlns:a14="http://schemas.microsoft.com/office/drawing/2010/main" Requires="a14">
+      <mc:AlternateContent xmlns:mc="http://schemas.openxmlformats.org/markup-compatibility/2006" xmlns:a14="http://schemas.microsoft.com/office/drawing/2010/main">
+        <mc:Choice Requires="a14">
           <p:sp>
             <p:nvSpPr>
               <p:cNvPr id="8" name="TextBox 7"/>
@@ -24144,7 +24144,7 @@
             </p:txBody>
           </p:sp>
         </mc:Choice>
-        <mc:Fallback>
+        <mc:Fallback xmlns="">
           <p:sp>
             <p:nvSpPr>
               <p:cNvPr id="8" name="TextBox 7"/>
@@ -26475,7 +26475,12 @@
             <p:ph type="sldNum" sz="quarter" idx="12"/>
           </p:nvPr>
         </p:nvSpPr>
-        <p:spPr/>
+        <p:spPr>
+          <a:xfrm>
+            <a:off x="8610600" y="6356350"/>
+            <a:ext cx="2743200" cy="365125"/>
+          </a:xfrm>
+        </p:spPr>
         <p:txBody>
           <a:bodyPr/>
           <a:lstStyle/>
@@ -26509,7 +26514,7 @@
         </p:blipFill>
         <p:spPr bwMode="auto">
           <a:xfrm>
-            <a:off x="346442" y="209688"/>
+            <a:off x="106412" y="2014987"/>
             <a:ext cx="4403546" cy="2600697"/>
           </a:xfrm>
           <a:prstGeom prst="rect">
@@ -26548,8 +26553,8 @@
         </p:blipFill>
         <p:spPr bwMode="auto">
           <a:xfrm>
-            <a:off x="4842932" y="209688"/>
-            <a:ext cx="4300496" cy="6398176"/>
+            <a:off x="4614332" y="0"/>
+            <a:ext cx="4527418" cy="6735785"/>
           </a:xfrm>
           <a:prstGeom prst="rect">
             <a:avLst/>
@@ -26587,8 +26592,8 @@
         </p:blipFill>
         <p:spPr bwMode="auto">
           <a:xfrm>
-            <a:off x="9236372" y="1700384"/>
-            <a:ext cx="2730321" cy="3416783"/>
+            <a:off x="9246124" y="1703070"/>
+            <a:ext cx="2755575" cy="3448387"/>
           </a:xfrm>
           <a:prstGeom prst="rect">
             <a:avLst/>
@@ -26605,926 +26610,96 @@
           </a:extLst>
         </p:spPr>
       </p:pic>
-      <p:sp>
-        <p:nvSpPr>
-          <p:cNvPr id="12" name="Rectangle 11"/>
-          <p:cNvSpPr/>
+      <p:cxnSp>
+        <p:nvCxnSpPr>
+          <p:cNvPr id="3" name="Elbow Connector 2">
+            <a:extLst>
+              <a:ext uri="{FF2B5EF4-FFF2-40B4-BE49-F238E27FC236}">
+                <a16:creationId xmlns:a16="http://schemas.microsoft.com/office/drawing/2014/main" id="{B0CA82B6-3745-2B4C-A3FA-0F273D406CBF}"/>
+              </a:ext>
+            </a:extLst>
+          </p:cNvPr>
+          <p:cNvCxnSpPr>
+            <a:cxnSpLocks/>
+            <a:stCxn id="1026" idx="0"/>
+          </p:cNvCxnSpPr>
           <p:nvPr/>
-        </p:nvSpPr>
+        </p:nvCxnSpPr>
         <p:spPr>
-          <a:xfrm>
-            <a:off x="4842932" y="209689"/>
-            <a:ext cx="864588" cy="1608226"/>
+          <a:xfrm rot="5400000" flipH="1" flipV="1">
+            <a:off x="2893820" y="294476"/>
+            <a:ext cx="1134877" cy="2306147"/>
           </a:xfrm>
-          <a:prstGeom prst="rect">
+          <a:prstGeom prst="bentConnector2">
             <a:avLst/>
           </a:prstGeom>
-          <a:solidFill>
-            <a:schemeClr val="bg1"/>
-          </a:solidFill>
-          <a:ln>
-            <a:noFill/>
+          <a:ln w="38100">
+            <a:solidFill>
+              <a:schemeClr val="accent6"/>
+            </a:solidFill>
+            <a:tailEnd type="triangle"/>
           </a:ln>
         </p:spPr>
         <p:style>
-          <a:lnRef idx="2">
-            <a:schemeClr val="accent1">
-              <a:shade val="50000"/>
-            </a:schemeClr>
+          <a:lnRef idx="1">
+            <a:schemeClr val="accent1"/>
           </a:lnRef>
-          <a:fillRef idx="1">
+          <a:fillRef idx="0">
             <a:schemeClr val="accent1"/>
           </a:fillRef>
           <a:effectRef idx="0">
             <a:schemeClr val="accent1"/>
           </a:effectRef>
           <a:fontRef idx="minor">
-            <a:schemeClr val="lt1"/>
+            <a:schemeClr val="tx1"/>
           </a:fontRef>
         </p:style>
-        <p:txBody>
-          <a:bodyPr rtlCol="0" anchor="ctr"/>
-          <a:lstStyle/>
-          <a:p>
-            <a:pPr algn="ctr"/>
-            <a:endParaRPr lang="en-US"/>
-          </a:p>
-        </p:txBody>
-      </p:sp>
-      <p:sp>
-        <p:nvSpPr>
-          <p:cNvPr id="13" name="Rectangle 12"/>
-          <p:cNvSpPr/>
+      </p:cxnSp>
+      <p:cxnSp>
+        <p:nvCxnSpPr>
+          <p:cNvPr id="35" name="Elbow Connector 34">
+            <a:extLst>
+              <a:ext uri="{FF2B5EF4-FFF2-40B4-BE49-F238E27FC236}">
+                <a16:creationId xmlns:a16="http://schemas.microsoft.com/office/drawing/2014/main" id="{1CB6C4F8-DED9-2C41-91D9-EEF98BBF6923}"/>
+              </a:ext>
+            </a:extLst>
+          </p:cNvPr>
+          <p:cNvCxnSpPr>
+            <a:cxnSpLocks/>
+            <a:endCxn id="1030" idx="0"/>
+          </p:cNvCxnSpPr>
           <p:nvPr/>
-        </p:nvSpPr>
+        </p:nvCxnSpPr>
         <p:spPr>
           <a:xfrm>
-            <a:off x="5689885" y="209687"/>
-            <a:ext cx="864588" cy="1608226"/>
+            <a:off x="9141750" y="880111"/>
+            <a:ext cx="1482162" cy="822959"/>
           </a:xfrm>
-          <a:prstGeom prst="rect">
+          <a:prstGeom prst="bentConnector2">
             <a:avLst/>
           </a:prstGeom>
-          <a:solidFill>
-            <a:schemeClr val="bg1"/>
-          </a:solidFill>
-          <a:ln>
-            <a:noFill/>
+          <a:ln w="38100">
+            <a:solidFill>
+              <a:schemeClr val="accent6"/>
+            </a:solidFill>
+            <a:tailEnd type="triangle"/>
           </a:ln>
         </p:spPr>
         <p:style>
-          <a:lnRef idx="2">
-            <a:schemeClr val="accent1">
-              <a:shade val="50000"/>
-            </a:schemeClr>
+          <a:lnRef idx="1">
+            <a:schemeClr val="accent1"/>
           </a:lnRef>
-          <a:fillRef idx="1">
+          <a:fillRef idx="0">
             <a:schemeClr val="accent1"/>
           </a:fillRef>
           <a:effectRef idx="0">
             <a:schemeClr val="accent1"/>
           </a:effectRef>
           <a:fontRef idx="minor">
-            <a:schemeClr val="lt1"/>
+            <a:schemeClr val="tx1"/>
           </a:fontRef>
         </p:style>
-        <p:txBody>
-          <a:bodyPr rtlCol="0" anchor="ctr"/>
-          <a:lstStyle/>
-          <a:p>
-            <a:pPr algn="ctr"/>
-            <a:endParaRPr lang="en-US"/>
-          </a:p>
-        </p:txBody>
-      </p:sp>
-      <p:sp>
-        <p:nvSpPr>
-          <p:cNvPr id="14" name="Rectangle 13"/>
-          <p:cNvSpPr/>
-          <p:nvPr/>
-        </p:nvSpPr>
-        <p:spPr>
-          <a:xfrm>
-            <a:off x="6536325" y="192610"/>
-            <a:ext cx="864588" cy="1608226"/>
-          </a:xfrm>
-          <a:prstGeom prst="rect">
-            <a:avLst/>
-          </a:prstGeom>
-          <a:solidFill>
-            <a:schemeClr val="bg1"/>
-          </a:solidFill>
-          <a:ln>
-            <a:noFill/>
-          </a:ln>
-        </p:spPr>
-        <p:style>
-          <a:lnRef idx="2">
-            <a:schemeClr val="accent1">
-              <a:shade val="50000"/>
-            </a:schemeClr>
-          </a:lnRef>
-          <a:fillRef idx="1">
-            <a:schemeClr val="accent1"/>
-          </a:fillRef>
-          <a:effectRef idx="0">
-            <a:schemeClr val="accent1"/>
-          </a:effectRef>
-          <a:fontRef idx="minor">
-            <a:schemeClr val="lt1"/>
-          </a:fontRef>
-        </p:style>
-        <p:txBody>
-          <a:bodyPr rtlCol="0" anchor="ctr"/>
-          <a:lstStyle/>
-          <a:p>
-            <a:pPr algn="ctr"/>
-            <a:endParaRPr lang="en-US"/>
-          </a:p>
-        </p:txBody>
-      </p:sp>
-      <p:sp>
-        <p:nvSpPr>
-          <p:cNvPr id="15" name="Rectangle 14"/>
-          <p:cNvSpPr/>
-          <p:nvPr/>
-        </p:nvSpPr>
-        <p:spPr>
-          <a:xfrm>
-            <a:off x="7416656" y="225267"/>
-            <a:ext cx="864588" cy="1608226"/>
-          </a:xfrm>
-          <a:prstGeom prst="rect">
-            <a:avLst/>
-          </a:prstGeom>
-          <a:solidFill>
-            <a:schemeClr val="bg1"/>
-          </a:solidFill>
-          <a:ln>
-            <a:noFill/>
-          </a:ln>
-        </p:spPr>
-        <p:style>
-          <a:lnRef idx="2">
-            <a:schemeClr val="accent1">
-              <a:shade val="50000"/>
-            </a:schemeClr>
-          </a:lnRef>
-          <a:fillRef idx="1">
-            <a:schemeClr val="accent1"/>
-          </a:fillRef>
-          <a:effectRef idx="0">
-            <a:schemeClr val="accent1"/>
-          </a:effectRef>
-          <a:fontRef idx="minor">
-            <a:schemeClr val="lt1"/>
-          </a:fontRef>
-        </p:style>
-        <p:txBody>
-          <a:bodyPr rtlCol="0" anchor="ctr"/>
-          <a:lstStyle/>
-          <a:p>
-            <a:pPr algn="ctr"/>
-            <a:endParaRPr lang="en-US"/>
-          </a:p>
-        </p:txBody>
-      </p:sp>
-      <p:sp>
-        <p:nvSpPr>
-          <p:cNvPr id="16" name="Rectangle 15"/>
-          <p:cNvSpPr/>
-          <p:nvPr/>
-        </p:nvSpPr>
-        <p:spPr>
-          <a:xfrm>
-            <a:off x="8308382" y="225267"/>
-            <a:ext cx="864588" cy="1608226"/>
-          </a:xfrm>
-          <a:prstGeom prst="rect">
-            <a:avLst/>
-          </a:prstGeom>
-          <a:solidFill>
-            <a:schemeClr val="bg1"/>
-          </a:solidFill>
-          <a:ln>
-            <a:noFill/>
-          </a:ln>
-        </p:spPr>
-        <p:style>
-          <a:lnRef idx="2">
-            <a:schemeClr val="accent1">
-              <a:shade val="50000"/>
-            </a:schemeClr>
-          </a:lnRef>
-          <a:fillRef idx="1">
-            <a:schemeClr val="accent1"/>
-          </a:fillRef>
-          <a:effectRef idx="0">
-            <a:schemeClr val="accent1"/>
-          </a:effectRef>
-          <a:fontRef idx="minor">
-            <a:schemeClr val="lt1"/>
-          </a:fontRef>
-        </p:style>
-        <p:txBody>
-          <a:bodyPr rtlCol="0" anchor="ctr"/>
-          <a:lstStyle/>
-          <a:p>
-            <a:pPr algn="ctr"/>
-            <a:endParaRPr lang="en-US"/>
-          </a:p>
-        </p:txBody>
-      </p:sp>
-      <p:sp>
-        <p:nvSpPr>
-          <p:cNvPr id="20" name="Rectangle 19"/>
-          <p:cNvSpPr/>
-          <p:nvPr/>
-        </p:nvSpPr>
-        <p:spPr>
-          <a:xfrm>
-            <a:off x="4813390" y="1772571"/>
-            <a:ext cx="864588" cy="1608226"/>
-          </a:xfrm>
-          <a:prstGeom prst="rect">
-            <a:avLst/>
-          </a:prstGeom>
-          <a:solidFill>
-            <a:schemeClr val="bg1"/>
-          </a:solidFill>
-          <a:ln>
-            <a:noFill/>
-          </a:ln>
-        </p:spPr>
-        <p:style>
-          <a:lnRef idx="2">
-            <a:schemeClr val="accent1">
-              <a:shade val="50000"/>
-            </a:schemeClr>
-          </a:lnRef>
-          <a:fillRef idx="1">
-            <a:schemeClr val="accent1"/>
-          </a:fillRef>
-          <a:effectRef idx="0">
-            <a:schemeClr val="accent1"/>
-          </a:effectRef>
-          <a:fontRef idx="minor">
-            <a:schemeClr val="lt1"/>
-          </a:fontRef>
-        </p:style>
-        <p:txBody>
-          <a:bodyPr rtlCol="0" anchor="ctr"/>
-          <a:lstStyle/>
-          <a:p>
-            <a:pPr algn="ctr"/>
-            <a:endParaRPr lang="en-US"/>
-          </a:p>
-        </p:txBody>
-      </p:sp>
-      <p:sp>
-        <p:nvSpPr>
-          <p:cNvPr id="21" name="Rectangle 20"/>
-          <p:cNvSpPr/>
-          <p:nvPr/>
-        </p:nvSpPr>
-        <p:spPr>
-          <a:xfrm>
-            <a:off x="5693974" y="1795241"/>
-            <a:ext cx="864588" cy="1608226"/>
-          </a:xfrm>
-          <a:prstGeom prst="rect">
-            <a:avLst/>
-          </a:prstGeom>
-          <a:solidFill>
-            <a:schemeClr val="bg1"/>
-          </a:solidFill>
-          <a:ln>
-            <a:noFill/>
-          </a:ln>
-        </p:spPr>
-        <p:style>
-          <a:lnRef idx="2">
-            <a:schemeClr val="accent1">
-              <a:shade val="50000"/>
-            </a:schemeClr>
-          </a:lnRef>
-          <a:fillRef idx="1">
-            <a:schemeClr val="accent1"/>
-          </a:fillRef>
-          <a:effectRef idx="0">
-            <a:schemeClr val="accent1"/>
-          </a:effectRef>
-          <a:fontRef idx="minor">
-            <a:schemeClr val="lt1"/>
-          </a:fontRef>
-        </p:style>
-        <p:txBody>
-          <a:bodyPr rtlCol="0" anchor="ctr"/>
-          <a:lstStyle/>
-          <a:p>
-            <a:pPr algn="ctr"/>
-            <a:endParaRPr lang="en-US"/>
-          </a:p>
-        </p:txBody>
-      </p:sp>
-      <p:sp>
-        <p:nvSpPr>
-          <p:cNvPr id="22" name="Rectangle 21"/>
-          <p:cNvSpPr/>
-          <p:nvPr/>
-        </p:nvSpPr>
-        <p:spPr>
-          <a:xfrm>
-            <a:off x="6552068" y="1772569"/>
-            <a:ext cx="864588" cy="1608226"/>
-          </a:xfrm>
-          <a:prstGeom prst="rect">
-            <a:avLst/>
-          </a:prstGeom>
-          <a:solidFill>
-            <a:schemeClr val="bg1"/>
-          </a:solidFill>
-          <a:ln>
-            <a:noFill/>
-          </a:ln>
-        </p:spPr>
-        <p:style>
-          <a:lnRef idx="2">
-            <a:schemeClr val="accent1">
-              <a:shade val="50000"/>
-            </a:schemeClr>
-          </a:lnRef>
-          <a:fillRef idx="1">
-            <a:schemeClr val="accent1"/>
-          </a:fillRef>
-          <a:effectRef idx="0">
-            <a:schemeClr val="accent1"/>
-          </a:effectRef>
-          <a:fontRef idx="minor">
-            <a:schemeClr val="lt1"/>
-          </a:fontRef>
-        </p:style>
-        <p:txBody>
-          <a:bodyPr rtlCol="0" anchor="ctr"/>
-          <a:lstStyle/>
-          <a:p>
-            <a:pPr algn="ctr"/>
-            <a:endParaRPr lang="en-US"/>
-          </a:p>
-        </p:txBody>
-      </p:sp>
-      <p:sp>
-        <p:nvSpPr>
-          <p:cNvPr id="23" name="Rectangle 22"/>
-          <p:cNvSpPr/>
-          <p:nvPr/>
-        </p:nvSpPr>
-        <p:spPr>
-          <a:xfrm>
-            <a:off x="7416656" y="1800549"/>
-            <a:ext cx="864588" cy="1608226"/>
-          </a:xfrm>
-          <a:prstGeom prst="rect">
-            <a:avLst/>
-          </a:prstGeom>
-          <a:solidFill>
-            <a:schemeClr val="bg1"/>
-          </a:solidFill>
-          <a:ln>
-            <a:noFill/>
-          </a:ln>
-        </p:spPr>
-        <p:style>
-          <a:lnRef idx="2">
-            <a:schemeClr val="accent1">
-              <a:shade val="50000"/>
-            </a:schemeClr>
-          </a:lnRef>
-          <a:fillRef idx="1">
-            <a:schemeClr val="accent1"/>
-          </a:fillRef>
-          <a:effectRef idx="0">
-            <a:schemeClr val="accent1"/>
-          </a:effectRef>
-          <a:fontRef idx="minor">
-            <a:schemeClr val="lt1"/>
-          </a:fontRef>
-        </p:style>
-        <p:txBody>
-          <a:bodyPr rtlCol="0" anchor="ctr"/>
-          <a:lstStyle/>
-          <a:p>
-            <a:pPr algn="ctr"/>
-            <a:endParaRPr lang="en-US"/>
-          </a:p>
-        </p:txBody>
-      </p:sp>
-      <p:sp>
-        <p:nvSpPr>
-          <p:cNvPr id="24" name="Rectangle 23"/>
-          <p:cNvSpPr/>
-          <p:nvPr/>
-        </p:nvSpPr>
-        <p:spPr>
-          <a:xfrm>
-            <a:off x="8308382" y="1780222"/>
-            <a:ext cx="864588" cy="1608226"/>
-          </a:xfrm>
-          <a:prstGeom prst="rect">
-            <a:avLst/>
-          </a:prstGeom>
-          <a:solidFill>
-            <a:schemeClr val="bg1"/>
-          </a:solidFill>
-          <a:ln>
-            <a:noFill/>
-          </a:ln>
-        </p:spPr>
-        <p:style>
-          <a:lnRef idx="2">
-            <a:schemeClr val="accent1">
-              <a:shade val="50000"/>
-            </a:schemeClr>
-          </a:lnRef>
-          <a:fillRef idx="1">
-            <a:schemeClr val="accent1"/>
-          </a:fillRef>
-          <a:effectRef idx="0">
-            <a:schemeClr val="accent1"/>
-          </a:effectRef>
-          <a:fontRef idx="minor">
-            <a:schemeClr val="lt1"/>
-          </a:fontRef>
-        </p:style>
-        <p:txBody>
-          <a:bodyPr rtlCol="0" anchor="ctr"/>
-          <a:lstStyle/>
-          <a:p>
-            <a:pPr algn="ctr"/>
-            <a:endParaRPr lang="en-US"/>
-          </a:p>
-        </p:txBody>
-      </p:sp>
-      <p:sp>
-        <p:nvSpPr>
-          <p:cNvPr id="25" name="Rectangle 24"/>
-          <p:cNvSpPr/>
-          <p:nvPr/>
-        </p:nvSpPr>
-        <p:spPr>
-          <a:xfrm>
-            <a:off x="4846169" y="3429825"/>
-            <a:ext cx="864588" cy="1608226"/>
-          </a:xfrm>
-          <a:prstGeom prst="rect">
-            <a:avLst/>
-          </a:prstGeom>
-          <a:solidFill>
-            <a:schemeClr val="bg1"/>
-          </a:solidFill>
-          <a:ln>
-            <a:noFill/>
-          </a:ln>
-        </p:spPr>
-        <p:style>
-          <a:lnRef idx="2">
-            <a:schemeClr val="accent1">
-              <a:shade val="50000"/>
-            </a:schemeClr>
-          </a:lnRef>
-          <a:fillRef idx="1">
-            <a:schemeClr val="accent1"/>
-          </a:fillRef>
-          <a:effectRef idx="0">
-            <a:schemeClr val="accent1"/>
-          </a:effectRef>
-          <a:fontRef idx="minor">
-            <a:schemeClr val="lt1"/>
-          </a:fontRef>
-        </p:style>
-        <p:txBody>
-          <a:bodyPr rtlCol="0" anchor="ctr"/>
-          <a:lstStyle/>
-          <a:p>
-            <a:pPr algn="ctr"/>
-            <a:endParaRPr lang="en-US"/>
-          </a:p>
-        </p:txBody>
-      </p:sp>
-      <p:sp>
-        <p:nvSpPr>
-          <p:cNvPr id="26" name="Rectangle 25"/>
-          <p:cNvSpPr/>
-          <p:nvPr/>
-        </p:nvSpPr>
-        <p:spPr>
-          <a:xfrm>
-            <a:off x="5715173" y="3387131"/>
-            <a:ext cx="864588" cy="1608226"/>
-          </a:xfrm>
-          <a:prstGeom prst="rect">
-            <a:avLst/>
-          </a:prstGeom>
-          <a:solidFill>
-            <a:schemeClr val="bg1"/>
-          </a:solidFill>
-          <a:ln>
-            <a:noFill/>
-          </a:ln>
-        </p:spPr>
-        <p:style>
-          <a:lnRef idx="2">
-            <a:schemeClr val="accent1">
-              <a:shade val="50000"/>
-            </a:schemeClr>
-          </a:lnRef>
-          <a:fillRef idx="1">
-            <a:schemeClr val="accent1"/>
-          </a:fillRef>
-          <a:effectRef idx="0">
-            <a:schemeClr val="accent1"/>
-          </a:effectRef>
-          <a:fontRef idx="minor">
-            <a:schemeClr val="lt1"/>
-          </a:fontRef>
-        </p:style>
-        <p:txBody>
-          <a:bodyPr rtlCol="0" anchor="ctr"/>
-          <a:lstStyle/>
-          <a:p>
-            <a:pPr algn="ctr"/>
-            <a:endParaRPr lang="en-US"/>
-          </a:p>
-        </p:txBody>
-      </p:sp>
-      <p:sp>
-        <p:nvSpPr>
-          <p:cNvPr id="27" name="Rectangle 26"/>
-          <p:cNvSpPr/>
-          <p:nvPr/>
-        </p:nvSpPr>
-        <p:spPr>
-          <a:xfrm>
-            <a:off x="6573267" y="3443039"/>
-            <a:ext cx="864588" cy="1608226"/>
-          </a:xfrm>
-          <a:prstGeom prst="rect">
-            <a:avLst/>
-          </a:prstGeom>
-          <a:solidFill>
-            <a:schemeClr val="bg1"/>
-          </a:solidFill>
-          <a:ln>
-            <a:noFill/>
-          </a:ln>
-        </p:spPr>
-        <p:style>
-          <a:lnRef idx="2">
-            <a:schemeClr val="accent1">
-              <a:shade val="50000"/>
-            </a:schemeClr>
-          </a:lnRef>
-          <a:fillRef idx="1">
-            <a:schemeClr val="accent1"/>
-          </a:fillRef>
-          <a:effectRef idx="0">
-            <a:schemeClr val="accent1"/>
-          </a:effectRef>
-          <a:fontRef idx="minor">
-            <a:schemeClr val="lt1"/>
-          </a:fontRef>
-        </p:style>
-        <p:txBody>
-          <a:bodyPr rtlCol="0" anchor="ctr"/>
-          <a:lstStyle/>
-          <a:p>
-            <a:pPr algn="ctr"/>
-            <a:endParaRPr lang="en-US"/>
-          </a:p>
-        </p:txBody>
-      </p:sp>
-      <p:sp>
-        <p:nvSpPr>
-          <p:cNvPr id="28" name="Rectangle 27"/>
-          <p:cNvSpPr/>
-          <p:nvPr/>
-        </p:nvSpPr>
-        <p:spPr>
-          <a:xfrm>
-            <a:off x="7437855" y="3392439"/>
-            <a:ext cx="864588" cy="1608226"/>
-          </a:xfrm>
-          <a:prstGeom prst="rect">
-            <a:avLst/>
-          </a:prstGeom>
-          <a:solidFill>
-            <a:schemeClr val="bg1"/>
-          </a:solidFill>
-          <a:ln>
-            <a:noFill/>
-          </a:ln>
-        </p:spPr>
-        <p:style>
-          <a:lnRef idx="2">
-            <a:schemeClr val="accent1">
-              <a:shade val="50000"/>
-            </a:schemeClr>
-          </a:lnRef>
-          <a:fillRef idx="1">
-            <a:schemeClr val="accent1"/>
-          </a:fillRef>
-          <a:effectRef idx="0">
-            <a:schemeClr val="accent1"/>
-          </a:effectRef>
-          <a:fontRef idx="minor">
-            <a:schemeClr val="lt1"/>
-          </a:fontRef>
-        </p:style>
-        <p:txBody>
-          <a:bodyPr rtlCol="0" anchor="ctr"/>
-          <a:lstStyle/>
-          <a:p>
-            <a:pPr algn="ctr"/>
-            <a:endParaRPr lang="en-US"/>
-          </a:p>
-        </p:txBody>
-      </p:sp>
-      <p:sp>
-        <p:nvSpPr>
-          <p:cNvPr id="29" name="Rectangle 28"/>
-          <p:cNvSpPr/>
-          <p:nvPr/>
-        </p:nvSpPr>
-        <p:spPr>
-          <a:xfrm>
-            <a:off x="8329581" y="3372112"/>
-            <a:ext cx="864588" cy="1608226"/>
-          </a:xfrm>
-          <a:prstGeom prst="rect">
-            <a:avLst/>
-          </a:prstGeom>
-          <a:solidFill>
-            <a:schemeClr val="bg1"/>
-          </a:solidFill>
-          <a:ln>
-            <a:noFill/>
-          </a:ln>
-        </p:spPr>
-        <p:style>
-          <a:lnRef idx="2">
-            <a:schemeClr val="accent1">
-              <a:shade val="50000"/>
-            </a:schemeClr>
-          </a:lnRef>
-          <a:fillRef idx="1">
-            <a:schemeClr val="accent1"/>
-          </a:fillRef>
-          <a:effectRef idx="0">
-            <a:schemeClr val="accent1"/>
-          </a:effectRef>
-          <a:fontRef idx="minor">
-            <a:schemeClr val="lt1"/>
-          </a:fontRef>
-        </p:style>
-        <p:txBody>
-          <a:bodyPr rtlCol="0" anchor="ctr"/>
-          <a:lstStyle/>
-          <a:p>
-            <a:pPr algn="ctr"/>
-            <a:endParaRPr lang="en-US"/>
-          </a:p>
-        </p:txBody>
-      </p:sp>
-      <p:sp>
-        <p:nvSpPr>
-          <p:cNvPr id="30" name="Rectangle 29"/>
-          <p:cNvSpPr/>
-          <p:nvPr/>
-        </p:nvSpPr>
-        <p:spPr>
-          <a:xfrm>
-            <a:off x="4813390" y="5019675"/>
-            <a:ext cx="864588" cy="1608226"/>
-          </a:xfrm>
-          <a:prstGeom prst="rect">
-            <a:avLst/>
-          </a:prstGeom>
-          <a:solidFill>
-            <a:schemeClr val="bg1"/>
-          </a:solidFill>
-          <a:ln>
-            <a:noFill/>
-          </a:ln>
-        </p:spPr>
-        <p:style>
-          <a:lnRef idx="2">
-            <a:schemeClr val="accent1">
-              <a:shade val="50000"/>
-            </a:schemeClr>
-          </a:lnRef>
-          <a:fillRef idx="1">
-            <a:schemeClr val="accent1"/>
-          </a:fillRef>
-          <a:effectRef idx="0">
-            <a:schemeClr val="accent1"/>
-          </a:effectRef>
-          <a:fontRef idx="minor">
-            <a:schemeClr val="lt1"/>
-          </a:fontRef>
-        </p:style>
-        <p:txBody>
-          <a:bodyPr rtlCol="0" anchor="ctr"/>
-          <a:lstStyle/>
-          <a:p>
-            <a:pPr algn="ctr"/>
-            <a:endParaRPr lang="en-US"/>
-          </a:p>
-        </p:txBody>
-      </p:sp>
-      <p:sp>
-        <p:nvSpPr>
-          <p:cNvPr id="31" name="Rectangle 30"/>
-          <p:cNvSpPr/>
-          <p:nvPr/>
-        </p:nvSpPr>
-        <p:spPr>
-          <a:xfrm>
-            <a:off x="5671210" y="5019675"/>
-            <a:ext cx="864588" cy="1608226"/>
-          </a:xfrm>
-          <a:prstGeom prst="rect">
-            <a:avLst/>
-          </a:prstGeom>
-          <a:solidFill>
-            <a:schemeClr val="bg1"/>
-          </a:solidFill>
-          <a:ln>
-            <a:noFill/>
-          </a:ln>
-        </p:spPr>
-        <p:style>
-          <a:lnRef idx="2">
-            <a:schemeClr val="accent1">
-              <a:shade val="50000"/>
-            </a:schemeClr>
-          </a:lnRef>
-          <a:fillRef idx="1">
-            <a:schemeClr val="accent1"/>
-          </a:fillRef>
-          <a:effectRef idx="0">
-            <a:schemeClr val="accent1"/>
-          </a:effectRef>
-          <a:fontRef idx="minor">
-            <a:schemeClr val="lt1"/>
-          </a:fontRef>
-        </p:style>
-        <p:txBody>
-          <a:bodyPr rtlCol="0" anchor="ctr"/>
-          <a:lstStyle/>
-          <a:p>
-            <a:pPr algn="ctr"/>
-            <a:endParaRPr lang="en-US"/>
-          </a:p>
-        </p:txBody>
-      </p:sp>
-      <p:sp>
-        <p:nvSpPr>
-          <p:cNvPr id="32" name="Rectangle 31"/>
-          <p:cNvSpPr/>
-          <p:nvPr/>
-        </p:nvSpPr>
-        <p:spPr>
-          <a:xfrm>
-            <a:off x="6540190" y="4997003"/>
-            <a:ext cx="864588" cy="1608226"/>
-          </a:xfrm>
-          <a:prstGeom prst="rect">
-            <a:avLst/>
-          </a:prstGeom>
-          <a:solidFill>
-            <a:schemeClr val="bg1"/>
-          </a:solidFill>
-          <a:ln>
-            <a:noFill/>
-          </a:ln>
-        </p:spPr>
-        <p:style>
-          <a:lnRef idx="2">
-            <a:schemeClr val="accent1">
-              <a:shade val="50000"/>
-            </a:schemeClr>
-          </a:lnRef>
-          <a:fillRef idx="1">
-            <a:schemeClr val="accent1"/>
-          </a:fillRef>
-          <a:effectRef idx="0">
-            <a:schemeClr val="accent1"/>
-          </a:effectRef>
-          <a:fontRef idx="minor">
-            <a:schemeClr val="lt1"/>
-          </a:fontRef>
-        </p:style>
-        <p:txBody>
-          <a:bodyPr rtlCol="0" anchor="ctr"/>
-          <a:lstStyle/>
-          <a:p>
-            <a:pPr algn="ctr"/>
-            <a:endParaRPr lang="en-US"/>
-          </a:p>
-        </p:txBody>
-      </p:sp>
-      <p:sp>
-        <p:nvSpPr>
-          <p:cNvPr id="33" name="Rectangle 32"/>
-          <p:cNvSpPr/>
-          <p:nvPr/>
-        </p:nvSpPr>
-        <p:spPr>
-          <a:xfrm>
-            <a:off x="7405752" y="5015217"/>
-            <a:ext cx="864588" cy="1608226"/>
-          </a:xfrm>
-          <a:prstGeom prst="rect">
-            <a:avLst/>
-          </a:prstGeom>
-          <a:solidFill>
-            <a:schemeClr val="bg1"/>
-          </a:solidFill>
-          <a:ln>
-            <a:noFill/>
-          </a:ln>
-        </p:spPr>
-        <p:style>
-          <a:lnRef idx="2">
-            <a:schemeClr val="accent1">
-              <a:shade val="50000"/>
-            </a:schemeClr>
-          </a:lnRef>
-          <a:fillRef idx="1">
-            <a:schemeClr val="accent1"/>
-          </a:fillRef>
-          <a:effectRef idx="0">
-            <a:schemeClr val="accent1"/>
-          </a:effectRef>
-          <a:fontRef idx="minor">
-            <a:schemeClr val="lt1"/>
-          </a:fontRef>
-        </p:style>
-        <p:txBody>
-          <a:bodyPr rtlCol="0" anchor="ctr"/>
-          <a:lstStyle/>
-          <a:p>
-            <a:pPr algn="ctr"/>
-            <a:endParaRPr lang="en-US"/>
-          </a:p>
-        </p:txBody>
-      </p:sp>
-      <p:sp>
-        <p:nvSpPr>
-          <p:cNvPr id="34" name="Rectangle 33"/>
-          <p:cNvSpPr/>
-          <p:nvPr/>
-        </p:nvSpPr>
-        <p:spPr>
-          <a:xfrm>
-            <a:off x="8329581" y="5004656"/>
-            <a:ext cx="864588" cy="1608226"/>
-          </a:xfrm>
-          <a:prstGeom prst="rect">
-            <a:avLst/>
-          </a:prstGeom>
-          <a:solidFill>
-            <a:schemeClr val="bg1"/>
-          </a:solidFill>
-          <a:ln>
-            <a:noFill/>
-          </a:ln>
-        </p:spPr>
-        <p:style>
-          <a:lnRef idx="2">
-            <a:schemeClr val="accent1">
-              <a:shade val="50000"/>
-            </a:schemeClr>
-          </a:lnRef>
-          <a:fillRef idx="1">
-            <a:schemeClr val="accent1"/>
-          </a:fillRef>
-          <a:effectRef idx="0">
-            <a:schemeClr val="accent1"/>
-          </a:effectRef>
-          <a:fontRef idx="minor">
-            <a:schemeClr val="lt1"/>
-          </a:fontRef>
-        </p:style>
-        <p:txBody>
-          <a:bodyPr rtlCol="0" anchor="ctr"/>
-          <a:lstStyle/>
-          <a:p>
-            <a:pPr algn="ctr"/>
-            <a:endParaRPr lang="en-US"/>
-          </a:p>
-        </p:txBody>
-      </p:sp>
+      </p:cxnSp>
     </p:spTree>
     <p:extLst>
       <p:ext uri="{BB962C8B-B14F-4D97-AF65-F5344CB8AC3E}">
@@ -27556,903 +26731,14 @@
                             </p:stCondLst>
                             <p:childTnLst>
                               <p:par>
-                                <p:cTn id="5" presetID="22" presetClass="exit" presetSubtype="1" fill="hold" grpId="0" nodeType="clickEffect">
-                                  <p:stCondLst>
-                                    <p:cond delay="0"/>
-                                  </p:stCondLst>
-                                  <p:childTnLst>
-                                    <p:animEffect transition="out" filter="wipe(up)">
-                                      <p:cBhvr>
-                                        <p:cTn id="6" dur="500"/>
-                                        <p:tgtEl>
-                                          <p:spTgt spid="12"/>
-                                        </p:tgtEl>
-                                      </p:cBhvr>
-                                    </p:animEffect>
-                                    <p:set>
-                                      <p:cBhvr>
-                                        <p:cTn id="7" dur="1" fill="hold">
-                                          <p:stCondLst>
-                                            <p:cond delay="499"/>
-                                          </p:stCondLst>
-                                        </p:cTn>
-                                        <p:tgtEl>
-                                          <p:spTgt spid="12"/>
-                                        </p:tgtEl>
-                                        <p:attrNameLst>
-                                          <p:attrName>style.visibility</p:attrName>
-                                        </p:attrNameLst>
-                                      </p:cBhvr>
-                                      <p:to>
-                                        <p:strVal val="hidden"/>
-                                      </p:to>
-                                    </p:set>
-                                  </p:childTnLst>
-                                </p:cTn>
-                              </p:par>
-                            </p:childTnLst>
-                          </p:cTn>
-                        </p:par>
-                        <p:par>
-                          <p:cTn id="8" fill="hold">
-                            <p:stCondLst>
-                              <p:cond delay="500"/>
-                            </p:stCondLst>
-                            <p:childTnLst>
-                              <p:par>
-                                <p:cTn id="9" presetID="22" presetClass="exit" presetSubtype="1" fill="hold" grpId="0" nodeType="afterEffect">
-                                  <p:stCondLst>
-                                    <p:cond delay="250"/>
-                                  </p:stCondLst>
-                                  <p:childTnLst>
-                                    <p:animEffect transition="out" filter="wipe(up)">
-                                      <p:cBhvr>
-                                        <p:cTn id="10" dur="500"/>
-                                        <p:tgtEl>
-                                          <p:spTgt spid="13"/>
-                                        </p:tgtEl>
-                                      </p:cBhvr>
-                                    </p:animEffect>
-                                    <p:set>
-                                      <p:cBhvr>
-                                        <p:cTn id="11" dur="1" fill="hold">
-                                          <p:stCondLst>
-                                            <p:cond delay="499"/>
-                                          </p:stCondLst>
-                                        </p:cTn>
-                                        <p:tgtEl>
-                                          <p:spTgt spid="13"/>
-                                        </p:tgtEl>
-                                        <p:attrNameLst>
-                                          <p:attrName>style.visibility</p:attrName>
-                                        </p:attrNameLst>
-                                      </p:cBhvr>
-                                      <p:to>
-                                        <p:strVal val="hidden"/>
-                                      </p:to>
-                                    </p:set>
-                                  </p:childTnLst>
-                                </p:cTn>
-                              </p:par>
-                            </p:childTnLst>
-                          </p:cTn>
-                        </p:par>
-                        <p:par>
-                          <p:cTn id="12" fill="hold">
-                            <p:stCondLst>
-                              <p:cond delay="1250"/>
-                            </p:stCondLst>
-                            <p:childTnLst>
-                              <p:par>
-                                <p:cTn id="13" presetID="22" presetClass="exit" presetSubtype="1" fill="hold" grpId="0" nodeType="afterEffect">
-                                  <p:stCondLst>
-                                    <p:cond delay="250"/>
-                                  </p:stCondLst>
-                                  <p:childTnLst>
-                                    <p:animEffect transition="out" filter="wipe(up)">
-                                      <p:cBhvr>
-                                        <p:cTn id="14" dur="500"/>
-                                        <p:tgtEl>
-                                          <p:spTgt spid="14"/>
-                                        </p:tgtEl>
-                                      </p:cBhvr>
-                                    </p:animEffect>
-                                    <p:set>
-                                      <p:cBhvr>
-                                        <p:cTn id="15" dur="1" fill="hold">
-                                          <p:stCondLst>
-                                            <p:cond delay="499"/>
-                                          </p:stCondLst>
-                                        </p:cTn>
-                                        <p:tgtEl>
-                                          <p:spTgt spid="14"/>
-                                        </p:tgtEl>
-                                        <p:attrNameLst>
-                                          <p:attrName>style.visibility</p:attrName>
-                                        </p:attrNameLst>
-                                      </p:cBhvr>
-                                      <p:to>
-                                        <p:strVal val="hidden"/>
-                                      </p:to>
-                                    </p:set>
-                                  </p:childTnLst>
-                                </p:cTn>
-                              </p:par>
-                            </p:childTnLst>
-                          </p:cTn>
-                        </p:par>
-                        <p:par>
-                          <p:cTn id="16" fill="hold">
-                            <p:stCondLst>
-                              <p:cond delay="2000"/>
-                            </p:stCondLst>
-                            <p:childTnLst>
-                              <p:par>
-                                <p:cTn id="17" presetID="22" presetClass="exit" presetSubtype="1" fill="hold" grpId="0" nodeType="afterEffect">
-                                  <p:stCondLst>
-                                    <p:cond delay="250"/>
-                                  </p:stCondLst>
-                                  <p:childTnLst>
-                                    <p:animEffect transition="out" filter="wipe(up)">
-                                      <p:cBhvr>
-                                        <p:cTn id="18" dur="500"/>
-                                        <p:tgtEl>
-                                          <p:spTgt spid="15"/>
-                                        </p:tgtEl>
-                                      </p:cBhvr>
-                                    </p:animEffect>
-                                    <p:set>
-                                      <p:cBhvr>
-                                        <p:cTn id="19" dur="1" fill="hold">
-                                          <p:stCondLst>
-                                            <p:cond delay="499"/>
-                                          </p:stCondLst>
-                                        </p:cTn>
-                                        <p:tgtEl>
-                                          <p:spTgt spid="15"/>
-                                        </p:tgtEl>
-                                        <p:attrNameLst>
-                                          <p:attrName>style.visibility</p:attrName>
-                                        </p:attrNameLst>
-                                      </p:cBhvr>
-                                      <p:to>
-                                        <p:strVal val="hidden"/>
-                                      </p:to>
-                                    </p:set>
-                                  </p:childTnLst>
-                                </p:cTn>
-                              </p:par>
-                            </p:childTnLst>
-                          </p:cTn>
-                        </p:par>
-                        <p:par>
-                          <p:cTn id="20" fill="hold">
-                            <p:stCondLst>
-                              <p:cond delay="2750"/>
-                            </p:stCondLst>
-                            <p:childTnLst>
-                              <p:par>
-                                <p:cTn id="21" presetID="22" presetClass="exit" presetSubtype="1" fill="hold" grpId="0" nodeType="afterEffect">
-                                  <p:stCondLst>
-                                    <p:cond delay="250"/>
-                                  </p:stCondLst>
-                                  <p:childTnLst>
-                                    <p:animEffect transition="out" filter="wipe(up)">
-                                      <p:cBhvr>
-                                        <p:cTn id="22" dur="500"/>
-                                        <p:tgtEl>
-                                          <p:spTgt spid="16"/>
-                                        </p:tgtEl>
-                                      </p:cBhvr>
-                                    </p:animEffect>
-                                    <p:set>
-                                      <p:cBhvr>
-                                        <p:cTn id="23" dur="1" fill="hold">
-                                          <p:stCondLst>
-                                            <p:cond delay="499"/>
-                                          </p:stCondLst>
-                                        </p:cTn>
-                                        <p:tgtEl>
-                                          <p:spTgt spid="16"/>
-                                        </p:tgtEl>
-                                        <p:attrNameLst>
-                                          <p:attrName>style.visibility</p:attrName>
-                                        </p:attrNameLst>
-                                      </p:cBhvr>
-                                      <p:to>
-                                        <p:strVal val="hidden"/>
-                                      </p:to>
-                                    </p:set>
-                                  </p:childTnLst>
-                                </p:cTn>
-                              </p:par>
-                            </p:childTnLst>
-                          </p:cTn>
-                        </p:par>
-                        <p:par>
-                          <p:cTn id="24" fill="hold">
-                            <p:stCondLst>
-                              <p:cond delay="3500"/>
-                            </p:stCondLst>
-                            <p:childTnLst>
-                              <p:par>
-                                <p:cTn id="25" presetID="22" presetClass="exit" presetSubtype="1" fill="hold" grpId="0" nodeType="afterEffect">
-                                  <p:stCondLst>
-                                    <p:cond delay="250"/>
-                                  </p:stCondLst>
-                                  <p:childTnLst>
-                                    <p:animEffect transition="out" filter="wipe(up)">
-                                      <p:cBhvr>
-                                        <p:cTn id="26" dur="500"/>
-                                        <p:tgtEl>
-                                          <p:spTgt spid="20"/>
-                                        </p:tgtEl>
-                                      </p:cBhvr>
-                                    </p:animEffect>
-                                    <p:set>
-                                      <p:cBhvr>
-                                        <p:cTn id="27" dur="1" fill="hold">
-                                          <p:stCondLst>
-                                            <p:cond delay="499"/>
-                                          </p:stCondLst>
-                                        </p:cTn>
-                                        <p:tgtEl>
-                                          <p:spTgt spid="20"/>
-                                        </p:tgtEl>
-                                        <p:attrNameLst>
-                                          <p:attrName>style.visibility</p:attrName>
-                                        </p:attrNameLst>
-                                      </p:cBhvr>
-                                      <p:to>
-                                        <p:strVal val="hidden"/>
-                                      </p:to>
-                                    </p:set>
-                                  </p:childTnLst>
-                                </p:cTn>
-                              </p:par>
-                            </p:childTnLst>
-                          </p:cTn>
-                        </p:par>
-                        <p:par>
-                          <p:cTn id="28" fill="hold">
-                            <p:stCondLst>
-                              <p:cond delay="4250"/>
-                            </p:stCondLst>
-                            <p:childTnLst>
-                              <p:par>
-                                <p:cTn id="29" presetID="22" presetClass="exit" presetSubtype="1" fill="hold" grpId="0" nodeType="afterEffect">
-                                  <p:stCondLst>
-                                    <p:cond delay="250"/>
-                                  </p:stCondLst>
-                                  <p:childTnLst>
-                                    <p:animEffect transition="out" filter="wipe(up)">
-                                      <p:cBhvr>
-                                        <p:cTn id="30" dur="500"/>
-                                        <p:tgtEl>
-                                          <p:spTgt spid="21"/>
-                                        </p:tgtEl>
-                                      </p:cBhvr>
-                                    </p:animEffect>
-                                    <p:set>
-                                      <p:cBhvr>
-                                        <p:cTn id="31" dur="1" fill="hold">
-                                          <p:stCondLst>
-                                            <p:cond delay="499"/>
-                                          </p:stCondLst>
-                                        </p:cTn>
-                                        <p:tgtEl>
-                                          <p:spTgt spid="21"/>
-                                        </p:tgtEl>
-                                        <p:attrNameLst>
-                                          <p:attrName>style.visibility</p:attrName>
-                                        </p:attrNameLst>
-                                      </p:cBhvr>
-                                      <p:to>
-                                        <p:strVal val="hidden"/>
-                                      </p:to>
-                                    </p:set>
-                                  </p:childTnLst>
-                                </p:cTn>
-                              </p:par>
-                            </p:childTnLst>
-                          </p:cTn>
-                        </p:par>
-                        <p:par>
-                          <p:cTn id="32" fill="hold">
-                            <p:stCondLst>
-                              <p:cond delay="5000"/>
-                            </p:stCondLst>
-                            <p:childTnLst>
-                              <p:par>
-                                <p:cTn id="33" presetID="22" presetClass="exit" presetSubtype="1" fill="hold" grpId="0" nodeType="afterEffect">
-                                  <p:stCondLst>
-                                    <p:cond delay="0"/>
-                                  </p:stCondLst>
-                                  <p:childTnLst>
-                                    <p:animEffect transition="out" filter="wipe(up)">
-                                      <p:cBhvr>
-                                        <p:cTn id="34" dur="500"/>
-                                        <p:tgtEl>
-                                          <p:spTgt spid="22"/>
-                                        </p:tgtEl>
-                                      </p:cBhvr>
-                                    </p:animEffect>
-                                    <p:set>
-                                      <p:cBhvr>
-                                        <p:cTn id="35" dur="1" fill="hold">
-                                          <p:stCondLst>
-                                            <p:cond delay="499"/>
-                                          </p:stCondLst>
-                                        </p:cTn>
-                                        <p:tgtEl>
-                                          <p:spTgt spid="22"/>
-                                        </p:tgtEl>
-                                        <p:attrNameLst>
-                                          <p:attrName>style.visibility</p:attrName>
-                                        </p:attrNameLst>
-                                      </p:cBhvr>
-                                      <p:to>
-                                        <p:strVal val="hidden"/>
-                                      </p:to>
-                                    </p:set>
-                                  </p:childTnLst>
-                                </p:cTn>
-                              </p:par>
-                            </p:childTnLst>
-                          </p:cTn>
-                        </p:par>
-                        <p:par>
-                          <p:cTn id="36" fill="hold">
-                            <p:stCondLst>
-                              <p:cond delay="5500"/>
-                            </p:stCondLst>
-                            <p:childTnLst>
-                              <p:par>
-                                <p:cTn id="37" presetID="22" presetClass="exit" presetSubtype="1" fill="hold" grpId="0" nodeType="afterEffect">
-                                  <p:stCondLst>
-                                    <p:cond delay="250"/>
-                                  </p:stCondLst>
-                                  <p:childTnLst>
-                                    <p:animEffect transition="out" filter="wipe(up)">
-                                      <p:cBhvr>
-                                        <p:cTn id="38" dur="500"/>
-                                        <p:tgtEl>
-                                          <p:spTgt spid="23"/>
-                                        </p:tgtEl>
-                                      </p:cBhvr>
-                                    </p:animEffect>
-                                    <p:set>
-                                      <p:cBhvr>
-                                        <p:cTn id="39" dur="1" fill="hold">
-                                          <p:stCondLst>
-                                            <p:cond delay="499"/>
-                                          </p:stCondLst>
-                                        </p:cTn>
-                                        <p:tgtEl>
-                                          <p:spTgt spid="23"/>
-                                        </p:tgtEl>
-                                        <p:attrNameLst>
-                                          <p:attrName>style.visibility</p:attrName>
-                                        </p:attrNameLst>
-                                      </p:cBhvr>
-                                      <p:to>
-                                        <p:strVal val="hidden"/>
-                                      </p:to>
-                                    </p:set>
-                                  </p:childTnLst>
-                                </p:cTn>
-                              </p:par>
-                            </p:childTnLst>
-                          </p:cTn>
-                        </p:par>
-                        <p:par>
-                          <p:cTn id="40" fill="hold">
-                            <p:stCondLst>
-                              <p:cond delay="6250"/>
-                            </p:stCondLst>
-                            <p:childTnLst>
-                              <p:par>
-                                <p:cTn id="41" presetID="22" presetClass="exit" presetSubtype="1" fill="hold" grpId="0" nodeType="afterEffect">
-                                  <p:stCondLst>
-                                    <p:cond delay="250"/>
-                                  </p:stCondLst>
-                                  <p:childTnLst>
-                                    <p:animEffect transition="out" filter="wipe(up)">
-                                      <p:cBhvr>
-                                        <p:cTn id="42" dur="500"/>
-                                        <p:tgtEl>
-                                          <p:spTgt spid="24"/>
-                                        </p:tgtEl>
-                                      </p:cBhvr>
-                                    </p:animEffect>
-                                    <p:set>
-                                      <p:cBhvr>
-                                        <p:cTn id="43" dur="1" fill="hold">
-                                          <p:stCondLst>
-                                            <p:cond delay="499"/>
-                                          </p:stCondLst>
-                                        </p:cTn>
-                                        <p:tgtEl>
-                                          <p:spTgt spid="24"/>
-                                        </p:tgtEl>
-                                        <p:attrNameLst>
-                                          <p:attrName>style.visibility</p:attrName>
-                                        </p:attrNameLst>
-                                      </p:cBhvr>
-                                      <p:to>
-                                        <p:strVal val="hidden"/>
-                                      </p:to>
-                                    </p:set>
-                                  </p:childTnLst>
-                                </p:cTn>
-                              </p:par>
-                            </p:childTnLst>
-                          </p:cTn>
-                        </p:par>
-                        <p:par>
-                          <p:cTn id="44" fill="hold">
-                            <p:stCondLst>
-                              <p:cond delay="7000"/>
-                            </p:stCondLst>
-                            <p:childTnLst>
-                              <p:par>
-                                <p:cTn id="45" presetID="22" presetClass="exit" presetSubtype="1" fill="hold" grpId="0" nodeType="afterEffect">
-                                  <p:stCondLst>
-                                    <p:cond delay="250"/>
-                                  </p:stCondLst>
-                                  <p:childTnLst>
-                                    <p:animEffect transition="out" filter="wipe(up)">
-                                      <p:cBhvr>
-                                        <p:cTn id="46" dur="500"/>
-                                        <p:tgtEl>
-                                          <p:spTgt spid="25"/>
-                                        </p:tgtEl>
-                                      </p:cBhvr>
-                                    </p:animEffect>
-                                    <p:set>
-                                      <p:cBhvr>
-                                        <p:cTn id="47" dur="1" fill="hold">
-                                          <p:stCondLst>
-                                            <p:cond delay="499"/>
-                                          </p:stCondLst>
-                                        </p:cTn>
-                                        <p:tgtEl>
-                                          <p:spTgt spid="25"/>
-                                        </p:tgtEl>
-                                        <p:attrNameLst>
-                                          <p:attrName>style.visibility</p:attrName>
-                                        </p:attrNameLst>
-                                      </p:cBhvr>
-                                      <p:to>
-                                        <p:strVal val="hidden"/>
-                                      </p:to>
-                                    </p:set>
-                                  </p:childTnLst>
-                                </p:cTn>
-                              </p:par>
-                            </p:childTnLst>
-                          </p:cTn>
-                        </p:par>
-                        <p:par>
-                          <p:cTn id="48" fill="hold">
-                            <p:stCondLst>
-                              <p:cond delay="7750"/>
-                            </p:stCondLst>
-                            <p:childTnLst>
-                              <p:par>
-                                <p:cTn id="49" presetID="22" presetClass="exit" presetSubtype="1" fill="hold" grpId="0" nodeType="afterEffect">
-                                  <p:stCondLst>
-                                    <p:cond delay="250"/>
-                                  </p:stCondLst>
-                                  <p:childTnLst>
-                                    <p:animEffect transition="out" filter="wipe(up)">
-                                      <p:cBhvr>
-                                        <p:cTn id="50" dur="500"/>
-                                        <p:tgtEl>
-                                          <p:spTgt spid="26"/>
-                                        </p:tgtEl>
-                                      </p:cBhvr>
-                                    </p:animEffect>
-                                    <p:set>
-                                      <p:cBhvr>
-                                        <p:cTn id="51" dur="1" fill="hold">
-                                          <p:stCondLst>
-                                            <p:cond delay="499"/>
-                                          </p:stCondLst>
-                                        </p:cTn>
-                                        <p:tgtEl>
-                                          <p:spTgt spid="26"/>
-                                        </p:tgtEl>
-                                        <p:attrNameLst>
-                                          <p:attrName>style.visibility</p:attrName>
-                                        </p:attrNameLst>
-                                      </p:cBhvr>
-                                      <p:to>
-                                        <p:strVal val="hidden"/>
-                                      </p:to>
-                                    </p:set>
-                                  </p:childTnLst>
-                                </p:cTn>
-                              </p:par>
-                            </p:childTnLst>
-                          </p:cTn>
-                        </p:par>
-                        <p:par>
-                          <p:cTn id="52" fill="hold">
-                            <p:stCondLst>
-                              <p:cond delay="8500"/>
-                            </p:stCondLst>
-                            <p:childTnLst>
-                              <p:par>
-                                <p:cTn id="53" presetID="22" presetClass="exit" presetSubtype="1" fill="hold" grpId="0" nodeType="afterEffect">
-                                  <p:stCondLst>
-                                    <p:cond delay="0"/>
-                                  </p:stCondLst>
-                                  <p:childTnLst>
-                                    <p:animEffect transition="out" filter="wipe(up)">
-                                      <p:cBhvr>
-                                        <p:cTn id="54" dur="500"/>
-                                        <p:tgtEl>
-                                          <p:spTgt spid="27"/>
-                                        </p:tgtEl>
-                                      </p:cBhvr>
-                                    </p:animEffect>
-                                    <p:set>
-                                      <p:cBhvr>
-                                        <p:cTn id="55" dur="1" fill="hold">
-                                          <p:stCondLst>
-                                            <p:cond delay="499"/>
-                                          </p:stCondLst>
-                                        </p:cTn>
-                                        <p:tgtEl>
-                                          <p:spTgt spid="27"/>
-                                        </p:tgtEl>
-                                        <p:attrNameLst>
-                                          <p:attrName>style.visibility</p:attrName>
-                                        </p:attrNameLst>
-                                      </p:cBhvr>
-                                      <p:to>
-                                        <p:strVal val="hidden"/>
-                                      </p:to>
-                                    </p:set>
-                                  </p:childTnLst>
-                                </p:cTn>
-                              </p:par>
-                            </p:childTnLst>
-                          </p:cTn>
-                        </p:par>
-                        <p:par>
-                          <p:cTn id="56" fill="hold">
-                            <p:stCondLst>
-                              <p:cond delay="9000"/>
-                            </p:stCondLst>
-                            <p:childTnLst>
-                              <p:par>
-                                <p:cTn id="57" presetID="22" presetClass="exit" presetSubtype="1" fill="hold" grpId="0" nodeType="afterEffect">
-                                  <p:stCondLst>
-                                    <p:cond delay="250"/>
-                                  </p:stCondLst>
-                                  <p:childTnLst>
-                                    <p:animEffect transition="out" filter="wipe(up)">
-                                      <p:cBhvr>
-                                        <p:cTn id="58" dur="500"/>
-                                        <p:tgtEl>
-                                          <p:spTgt spid="28"/>
-                                        </p:tgtEl>
-                                      </p:cBhvr>
-                                    </p:animEffect>
-                                    <p:set>
-                                      <p:cBhvr>
-                                        <p:cTn id="59" dur="1" fill="hold">
-                                          <p:stCondLst>
-                                            <p:cond delay="499"/>
-                                          </p:stCondLst>
-                                        </p:cTn>
-                                        <p:tgtEl>
-                                          <p:spTgt spid="28"/>
-                                        </p:tgtEl>
-                                        <p:attrNameLst>
-                                          <p:attrName>style.visibility</p:attrName>
-                                        </p:attrNameLst>
-                                      </p:cBhvr>
-                                      <p:to>
-                                        <p:strVal val="hidden"/>
-                                      </p:to>
-                                    </p:set>
-                                  </p:childTnLst>
-                                </p:cTn>
-                              </p:par>
-                            </p:childTnLst>
-                          </p:cTn>
-                        </p:par>
-                        <p:par>
-                          <p:cTn id="60" fill="hold">
-                            <p:stCondLst>
-                              <p:cond delay="9750"/>
-                            </p:stCondLst>
-                            <p:childTnLst>
-                              <p:par>
-                                <p:cTn id="61" presetID="22" presetClass="exit" presetSubtype="1" fill="hold" grpId="0" nodeType="afterEffect">
-                                  <p:stCondLst>
-                                    <p:cond delay="250"/>
-                                  </p:stCondLst>
-                                  <p:childTnLst>
-                                    <p:animEffect transition="out" filter="wipe(up)">
-                                      <p:cBhvr>
-                                        <p:cTn id="62" dur="500"/>
-                                        <p:tgtEl>
-                                          <p:spTgt spid="29"/>
-                                        </p:tgtEl>
-                                      </p:cBhvr>
-                                    </p:animEffect>
-                                    <p:set>
-                                      <p:cBhvr>
-                                        <p:cTn id="63" dur="1" fill="hold">
-                                          <p:stCondLst>
-                                            <p:cond delay="499"/>
-                                          </p:stCondLst>
-                                        </p:cTn>
-                                        <p:tgtEl>
-                                          <p:spTgt spid="29"/>
-                                        </p:tgtEl>
-                                        <p:attrNameLst>
-                                          <p:attrName>style.visibility</p:attrName>
-                                        </p:attrNameLst>
-                                      </p:cBhvr>
-                                      <p:to>
-                                        <p:strVal val="hidden"/>
-                                      </p:to>
-                                    </p:set>
-                                  </p:childTnLst>
-                                </p:cTn>
-                              </p:par>
-                            </p:childTnLst>
-                          </p:cTn>
-                        </p:par>
-                        <p:par>
-                          <p:cTn id="64" fill="hold">
-                            <p:stCondLst>
-                              <p:cond delay="10500"/>
-                            </p:stCondLst>
-                            <p:childTnLst>
-                              <p:par>
-                                <p:cTn id="65" presetID="22" presetClass="exit" presetSubtype="1" fill="hold" grpId="0" nodeType="afterEffect">
-                                  <p:stCondLst>
-                                    <p:cond delay="250"/>
-                                  </p:stCondLst>
-                                  <p:childTnLst>
-                                    <p:animEffect transition="out" filter="wipe(up)">
-                                      <p:cBhvr>
-                                        <p:cTn id="66" dur="500"/>
-                                        <p:tgtEl>
-                                          <p:spTgt spid="30"/>
-                                        </p:tgtEl>
-                                      </p:cBhvr>
-                                    </p:animEffect>
-                                    <p:set>
-                                      <p:cBhvr>
-                                        <p:cTn id="67" dur="1" fill="hold">
-                                          <p:stCondLst>
-                                            <p:cond delay="499"/>
-                                          </p:stCondLst>
-                                        </p:cTn>
-                                        <p:tgtEl>
-                                          <p:spTgt spid="30"/>
-                                        </p:tgtEl>
-                                        <p:attrNameLst>
-                                          <p:attrName>style.visibility</p:attrName>
-                                        </p:attrNameLst>
-                                      </p:cBhvr>
-                                      <p:to>
-                                        <p:strVal val="hidden"/>
-                                      </p:to>
-                                    </p:set>
-                                  </p:childTnLst>
-                                </p:cTn>
-                              </p:par>
-                            </p:childTnLst>
-                          </p:cTn>
-                        </p:par>
-                        <p:par>
-                          <p:cTn id="68" fill="hold">
-                            <p:stCondLst>
-                              <p:cond delay="11250"/>
-                            </p:stCondLst>
-                            <p:childTnLst>
-                              <p:par>
-                                <p:cTn id="69" presetID="22" presetClass="exit" presetSubtype="1" fill="hold" grpId="0" nodeType="afterEffect">
-                                  <p:stCondLst>
-                                    <p:cond delay="250"/>
-                                  </p:stCondLst>
-                                  <p:childTnLst>
-                                    <p:animEffect transition="out" filter="wipe(up)">
-                                      <p:cBhvr>
-                                        <p:cTn id="70" dur="500"/>
-                                        <p:tgtEl>
-                                          <p:spTgt spid="31"/>
-                                        </p:tgtEl>
-                                      </p:cBhvr>
-                                    </p:animEffect>
-                                    <p:set>
-                                      <p:cBhvr>
-                                        <p:cTn id="71" dur="1" fill="hold">
-                                          <p:stCondLst>
-                                            <p:cond delay="499"/>
-                                          </p:stCondLst>
-                                        </p:cTn>
-                                        <p:tgtEl>
-                                          <p:spTgt spid="31"/>
-                                        </p:tgtEl>
-                                        <p:attrNameLst>
-                                          <p:attrName>style.visibility</p:attrName>
-                                        </p:attrNameLst>
-                                      </p:cBhvr>
-                                      <p:to>
-                                        <p:strVal val="hidden"/>
-                                      </p:to>
-                                    </p:set>
-                                  </p:childTnLst>
-                                </p:cTn>
-                              </p:par>
-                            </p:childTnLst>
-                          </p:cTn>
-                        </p:par>
-                        <p:par>
-                          <p:cTn id="72" fill="hold">
-                            <p:stCondLst>
-                              <p:cond delay="12000"/>
-                            </p:stCondLst>
-                            <p:childTnLst>
-                              <p:par>
-                                <p:cTn id="73" presetID="22" presetClass="exit" presetSubtype="1" fill="hold" grpId="0" nodeType="afterEffect">
-                                  <p:stCondLst>
-                                    <p:cond delay="0"/>
-                                  </p:stCondLst>
-                                  <p:childTnLst>
-                                    <p:animEffect transition="out" filter="wipe(up)">
-                                      <p:cBhvr>
-                                        <p:cTn id="74" dur="500"/>
-                                        <p:tgtEl>
-                                          <p:spTgt spid="32"/>
-                                        </p:tgtEl>
-                                      </p:cBhvr>
-                                    </p:animEffect>
-                                    <p:set>
-                                      <p:cBhvr>
-                                        <p:cTn id="75" dur="1" fill="hold">
-                                          <p:stCondLst>
-                                            <p:cond delay="499"/>
-                                          </p:stCondLst>
-                                        </p:cTn>
-                                        <p:tgtEl>
-                                          <p:spTgt spid="32"/>
-                                        </p:tgtEl>
-                                        <p:attrNameLst>
-                                          <p:attrName>style.visibility</p:attrName>
-                                        </p:attrNameLst>
-                                      </p:cBhvr>
-                                      <p:to>
-                                        <p:strVal val="hidden"/>
-                                      </p:to>
-                                    </p:set>
-                                  </p:childTnLst>
-                                </p:cTn>
-                              </p:par>
-                            </p:childTnLst>
-                          </p:cTn>
-                        </p:par>
-                        <p:par>
-                          <p:cTn id="76" fill="hold">
-                            <p:stCondLst>
-                              <p:cond delay="12500"/>
-                            </p:stCondLst>
-                            <p:childTnLst>
-                              <p:par>
-                                <p:cTn id="77" presetID="22" presetClass="exit" presetSubtype="1" fill="hold" grpId="0" nodeType="afterEffect">
-                                  <p:stCondLst>
-                                    <p:cond delay="250"/>
-                                  </p:stCondLst>
-                                  <p:childTnLst>
-                                    <p:animEffect transition="out" filter="wipe(up)">
-                                      <p:cBhvr>
-                                        <p:cTn id="78" dur="500"/>
-                                        <p:tgtEl>
-                                          <p:spTgt spid="33"/>
-                                        </p:tgtEl>
-                                      </p:cBhvr>
-                                    </p:animEffect>
-                                    <p:set>
-                                      <p:cBhvr>
-                                        <p:cTn id="79" dur="1" fill="hold">
-                                          <p:stCondLst>
-                                            <p:cond delay="499"/>
-                                          </p:stCondLst>
-                                        </p:cTn>
-                                        <p:tgtEl>
-                                          <p:spTgt spid="33"/>
-                                        </p:tgtEl>
-                                        <p:attrNameLst>
-                                          <p:attrName>style.visibility</p:attrName>
-                                        </p:attrNameLst>
-                                      </p:cBhvr>
-                                      <p:to>
-                                        <p:strVal val="hidden"/>
-                                      </p:to>
-                                    </p:set>
-                                  </p:childTnLst>
-                                </p:cTn>
-                              </p:par>
-                            </p:childTnLst>
-                          </p:cTn>
-                        </p:par>
-                        <p:par>
-                          <p:cTn id="80" fill="hold">
-                            <p:stCondLst>
-                              <p:cond delay="13250"/>
-                            </p:stCondLst>
-                            <p:childTnLst>
-                              <p:par>
-                                <p:cTn id="81" presetID="22" presetClass="exit" presetSubtype="1" fill="hold" grpId="0" nodeType="afterEffect">
-                                  <p:stCondLst>
-                                    <p:cond delay="250"/>
-                                  </p:stCondLst>
-                                  <p:childTnLst>
-                                    <p:animEffect transition="out" filter="wipe(up)">
-                                      <p:cBhvr>
-                                        <p:cTn id="82" dur="500"/>
-                                        <p:tgtEl>
-                                          <p:spTgt spid="34"/>
-                                        </p:tgtEl>
-                                      </p:cBhvr>
-                                    </p:animEffect>
-                                    <p:set>
-                                      <p:cBhvr>
-                                        <p:cTn id="83" dur="1" fill="hold">
-                                          <p:stCondLst>
-                                            <p:cond delay="499"/>
-                                          </p:stCondLst>
-                                        </p:cTn>
-                                        <p:tgtEl>
-                                          <p:spTgt spid="34"/>
-                                        </p:tgtEl>
-                                        <p:attrNameLst>
-                                          <p:attrName>style.visibility</p:attrName>
-                                        </p:attrNameLst>
-                                      </p:cBhvr>
-                                      <p:to>
-                                        <p:strVal val="hidden"/>
-                                      </p:to>
-                                    </p:set>
-                                  </p:childTnLst>
-                                </p:cTn>
-                              </p:par>
-                            </p:childTnLst>
-                          </p:cTn>
-                        </p:par>
-                      </p:childTnLst>
-                    </p:cTn>
-                  </p:par>
-                  <p:par>
-                    <p:cTn id="84" fill="hold">
-                      <p:stCondLst>
-                        <p:cond delay="indefinite"/>
-                      </p:stCondLst>
-                      <p:childTnLst>
-                        <p:par>
-                          <p:cTn id="85" fill="hold">
-                            <p:stCondLst>
-                              <p:cond delay="0"/>
-                            </p:stCondLst>
-                            <p:childTnLst>
-                              <p:par>
-                                <p:cTn id="86" presetID="21" presetClass="entr" presetSubtype="1" fill="hold" nodeType="clickEffect">
+                                <p:cTn id="5" presetID="21" presetClass="entr" presetSubtype="1" fill="hold" nodeType="clickEffect">
                                   <p:stCondLst>
                                     <p:cond delay="0"/>
                                   </p:stCondLst>
                                   <p:childTnLst>
                                     <p:set>
                                       <p:cBhvr>
-                                        <p:cTn id="87" dur="1" fill="hold">
+                                        <p:cTn id="6" dur="1" fill="hold">
                                           <p:stCondLst>
                                             <p:cond delay="0"/>
                                           </p:stCondLst>
@@ -28470,7 +26756,7 @@
                                     </p:set>
                                     <p:animEffect transition="in" filter="wheel(1)">
                                       <p:cBhvr>
-                                        <p:cTn id="88" dur="2000"/>
+                                        <p:cTn id="7" dur="2000"/>
                                         <p:tgtEl>
                                           <p:spTgt spid="1030"/>
                                         </p:tgtEl>
@@ -28506,28 +26792,6 @@
         </p:cTn>
       </p:par>
     </p:tnLst>
-    <p:bldLst>
-      <p:bldP spid="12" grpId="0" animBg="1"/>
-      <p:bldP spid="13" grpId="0" animBg="1"/>
-      <p:bldP spid="14" grpId="0" animBg="1"/>
-      <p:bldP spid="15" grpId="0" animBg="1"/>
-      <p:bldP spid="16" grpId="0" animBg="1"/>
-      <p:bldP spid="20" grpId="0" animBg="1"/>
-      <p:bldP spid="21" grpId="0" animBg="1"/>
-      <p:bldP spid="22" grpId="0" animBg="1"/>
-      <p:bldP spid="23" grpId="0" animBg="1"/>
-      <p:bldP spid="24" grpId="0" animBg="1"/>
-      <p:bldP spid="25" grpId="0" animBg="1"/>
-      <p:bldP spid="26" grpId="0" animBg="1"/>
-      <p:bldP spid="27" grpId="0" animBg="1"/>
-      <p:bldP spid="28" grpId="0" animBg="1"/>
-      <p:bldP spid="29" grpId="0" animBg="1"/>
-      <p:bldP spid="30" grpId="0" animBg="1"/>
-      <p:bldP spid="31" grpId="0" animBg="1"/>
-      <p:bldP spid="32" grpId="0" animBg="1"/>
-      <p:bldP spid="33" grpId="0" animBg="1"/>
-      <p:bldP spid="34" grpId="0" animBg="1"/>
-    </p:bldLst>
   </p:timing>
 </p:sld>
 </file>
@@ -28683,10 +26947,22 @@
           <a:lstStyle/>
           <a:p>
             <a:r>
-              <a:rPr lang="fr-FR"/>
-              <a:t>Cohen Chap 13 - Multiple Comparisons</a:t>
-            </a:r>
-            <a:endParaRPr lang="en-US"/>
+              <a:rPr lang="fr-FR" dirty="0"/>
+              <a:t>Cohen </a:t>
+            </a:r>
+            <a:r>
+              <a:rPr lang="fr-FR" dirty="0" err="1"/>
+              <a:t>Chap</a:t>
+            </a:r>
+            <a:r>
+              <a:rPr lang="fr-FR" dirty="0"/>
+              <a:t> 13 - Multiple </a:t>
+            </a:r>
+            <a:r>
+              <a:rPr lang="fr-FR" dirty="0" err="1"/>
+              <a:t>Comparisons</a:t>
+            </a:r>
+            <a:endParaRPr lang="en-US" dirty="0"/>
           </a:p>
         </p:txBody>
       </p:sp>
@@ -28722,7 +26998,7 @@
         <p:spPr>
           <a:xfrm>
             <a:off x="6220919" y="1523052"/>
-            <a:ext cx="5641298" cy="4401205"/>
+            <a:ext cx="5641298" cy="4770537"/>
           </a:xfrm>
           <a:prstGeom prst="rect">
             <a:avLst/>
@@ -28735,7 +27011,7 @@
           <a:lstStyle/>
           <a:p>
             <a:r>
-              <a:rPr lang="en-US" altLang="en-US" sz="2800" b="1" u="sng" dirty="0" err="1">
+              <a:rPr lang="en-US" altLang="en-US" sz="3000" b="1" u="sng" dirty="0" err="1">
                 <a:solidFill>
                   <a:schemeClr val="accent2"/>
                 </a:solidFill>
@@ -28745,7 +27021,7 @@
               <a:t>Experimentwise</a:t>
             </a:r>
             <a:r>
-              <a:rPr lang="en-US" altLang="en-US" sz="2800" b="1" u="sng" dirty="0">
+              <a:rPr lang="en-US" altLang="en-US" sz="3000" b="1" u="sng" dirty="0">
                 <a:solidFill>
                   <a:schemeClr val="accent2"/>
                 </a:solidFill>
@@ -28755,7 +27031,7 @@
               <a:t> (</a:t>
             </a:r>
             <a:r>
-              <a:rPr lang="el-GR" altLang="en-US" sz="2800" b="1" i="1" u="sng" dirty="0">
+              <a:rPr lang="el-GR" altLang="en-US" sz="3000" b="1" i="1" u="sng" dirty="0">
                 <a:solidFill>
                   <a:schemeClr val="accent2"/>
                 </a:solidFill>
@@ -28765,7 +27041,7 @@
               <a:t>α</a:t>
             </a:r>
             <a:r>
-              <a:rPr lang="en-US" altLang="en-US" sz="2800" b="1" i="1" u="sng" baseline="-25000" dirty="0">
+              <a:rPr lang="en-US" altLang="en-US" sz="3000" b="1" i="1" u="sng" baseline="-25000" dirty="0">
                 <a:solidFill>
                   <a:schemeClr val="accent2"/>
                 </a:solidFill>
@@ -28774,7 +27050,7 @@
               <a:t>EW</a:t>
             </a:r>
             <a:r>
-              <a:rPr lang="en-US" altLang="en-US" sz="2800" b="1" u="sng" dirty="0">
+              <a:rPr lang="en-US" altLang="en-US" sz="3000" b="1" u="sng" dirty="0">
                 <a:solidFill>
                   <a:schemeClr val="accent2"/>
                 </a:solidFill>
@@ -28787,7 +27063,7 @@
           <a:p>
             <a:pPr lvl="1"/>
             <a:r>
-              <a:rPr lang="en-US" altLang="en-US" sz="2800" i="1" dirty="0">
+              <a:rPr lang="en-US" altLang="en-US" sz="3000" i="1" dirty="0">
                 <a:solidFill>
                   <a:schemeClr val="accent2"/>
                 </a:solidFill>
@@ -28797,7 +27073,7 @@
               <a:t>p</a:t>
             </a:r>
             <a:r>
-              <a:rPr lang="en-US" altLang="en-US" sz="2800" dirty="0">
+              <a:rPr lang="en-US" altLang="en-US" sz="3000" dirty="0">
                 <a:solidFill>
                   <a:schemeClr val="accent2"/>
                 </a:solidFill>
@@ -28807,7 +27083,7 @@
               <a:t>( </a:t>
             </a:r>
             <a:r>
-              <a:rPr lang="en-US" altLang="en-US" sz="2800" dirty="0">
+              <a:rPr lang="en-US" altLang="en-US" sz="3000" dirty="0">
                 <a:solidFill>
                   <a:schemeClr val="accent2"/>
                 </a:solidFill>
@@ -28818,7 +27094,7 @@
               <a:t>≥</a:t>
             </a:r>
             <a:r>
-              <a:rPr lang="en-US" altLang="en-US" sz="2800" dirty="0">
+              <a:rPr lang="en-US" altLang="en-US" sz="3000" dirty="0">
                 <a:solidFill>
                   <a:schemeClr val="accent2"/>
                 </a:solidFill>
@@ -28828,7 +27104,7 @@
               <a:t> 1 Type I error for </a:t>
             </a:r>
             <a:r>
-              <a:rPr lang="en-US" altLang="en-US" sz="2800" u="sng" dirty="0">
+              <a:rPr lang="en-US" altLang="en-US" sz="3000" u="sng" dirty="0">
                 <a:solidFill>
                   <a:schemeClr val="accent2"/>
                 </a:solidFill>
@@ -28838,7 +27114,7 @@
               <a:t>all</a:t>
             </a:r>
             <a:r>
-              <a:rPr lang="en-US" altLang="en-US" sz="2800" dirty="0">
+              <a:rPr lang="en-US" altLang="en-US" sz="3000" dirty="0">
                 <a:solidFill>
                   <a:schemeClr val="accent2"/>
                 </a:solidFill>
@@ -28850,7 +27126,7 @@
           </a:p>
           <a:p>
             <a:pPr lvl="4"/>
-            <a:endParaRPr lang="en-US" altLang="en-US" sz="2800" b="1" dirty="0">
+            <a:endParaRPr lang="en-US" altLang="en-US" sz="3000" b="1" dirty="0">
               <a:solidFill>
                 <a:srgbClr val="7030A0"/>
               </a:solidFill>
@@ -28860,7 +27136,7 @@
           </a:p>
           <a:p>
             <a:r>
-              <a:rPr lang="en-US" altLang="en-US" sz="2800" b="1" u="sng" dirty="0">
+              <a:rPr lang="en-US" altLang="en-US" sz="3000" b="1" u="sng" dirty="0">
                 <a:solidFill>
                   <a:schemeClr val="accent6"/>
                 </a:solidFill>
@@ -28869,7 +27145,7 @@
               <a:t>Relationship between </a:t>
             </a:r>
             <a:r>
-              <a:rPr lang="el-GR" altLang="en-US" sz="2800" b="1" i="1" u="sng" dirty="0">
+              <a:rPr lang="el-GR" altLang="en-US" sz="3000" b="1" i="1" u="sng" dirty="0">
                 <a:solidFill>
                   <a:schemeClr val="accent6"/>
                 </a:solidFill>
@@ -28879,7 +27155,7 @@
               <a:t>α</a:t>
             </a:r>
             <a:r>
-              <a:rPr lang="en-US" altLang="en-US" sz="2800" b="1" i="1" u="sng" baseline="-25000" dirty="0">
+              <a:rPr lang="en-US" altLang="en-US" sz="3000" b="1" i="1" u="sng" baseline="-25000" dirty="0">
                 <a:solidFill>
                   <a:schemeClr val="accent6"/>
                 </a:solidFill>
@@ -28888,7 +27164,7 @@
               <a:t>PC</a:t>
             </a:r>
             <a:r>
-              <a:rPr lang="en-US" altLang="en-US" sz="2800" b="1" u="sng" dirty="0">
+              <a:rPr lang="en-US" altLang="en-US" sz="3000" b="1" u="sng" dirty="0">
                 <a:solidFill>
                   <a:schemeClr val="accent6"/>
                 </a:solidFill>
@@ -28899,7 +27175,7 @@
           </a:p>
           <a:p>
             <a:r>
-              <a:rPr lang="en-US" altLang="en-US" sz="2800" b="1" u="sng" dirty="0">
+              <a:rPr lang="en-US" altLang="en-US" sz="3000" b="1" u="sng" dirty="0">
                 <a:solidFill>
                   <a:schemeClr val="accent6"/>
                 </a:solidFill>
@@ -28908,7 +27184,7 @@
               <a:t>and </a:t>
             </a:r>
             <a:r>
-              <a:rPr lang="el-GR" altLang="en-US" sz="2800" b="1" i="1" u="sng" dirty="0">
+              <a:rPr lang="el-GR" altLang="en-US" sz="3000" b="1" i="1" u="sng" dirty="0">
                 <a:solidFill>
                   <a:schemeClr val="accent6"/>
                 </a:solidFill>
@@ -28918,7 +27194,7 @@
               <a:t>α</a:t>
             </a:r>
             <a:r>
-              <a:rPr lang="en-US" altLang="en-US" sz="2800" b="1" i="1" u="sng" baseline="-25000" dirty="0">
+              <a:rPr lang="en-US" altLang="en-US" sz="3000" b="1" i="1" u="sng" baseline="-25000" dirty="0">
                 <a:solidFill>
                   <a:schemeClr val="accent6"/>
                 </a:solidFill>
@@ -28926,7 +27202,7 @@
               </a:rPr>
               <a:t>EW</a:t>
             </a:r>
-            <a:endParaRPr lang="en-US" altLang="en-US" sz="2800" b="1" u="sng" dirty="0">
+            <a:endParaRPr lang="en-US" altLang="en-US" sz="3000" b="1" u="sng" dirty="0">
               <a:solidFill>
                 <a:schemeClr val="accent6"/>
               </a:solidFill>
@@ -28936,7 +27212,7 @@
           <a:p>
             <a:pPr lvl="1"/>
             <a:r>
-              <a:rPr lang="el-GR" altLang="en-US" sz="2800" i="1" dirty="0">
+              <a:rPr lang="el-GR" altLang="en-US" sz="2600" i="1" dirty="0">
                 <a:solidFill>
                   <a:schemeClr val="accent6"/>
                 </a:solidFill>
@@ -28947,7 +27223,7 @@
               <a:t>α</a:t>
             </a:r>
             <a:r>
-              <a:rPr lang="en-US" altLang="en-US" sz="2800" i="1" baseline="-25000" dirty="0">
+              <a:rPr lang="en-US" altLang="en-US" sz="2600" i="1" baseline="-25000" dirty="0">
                 <a:solidFill>
                   <a:schemeClr val="accent6"/>
                 </a:solidFill>
@@ -28957,7 +27233,7 @@
               <a:t>EW</a:t>
             </a:r>
             <a:r>
-              <a:rPr lang="en-US" altLang="en-US" sz="2800" dirty="0">
+              <a:rPr lang="en-US" altLang="en-US" sz="2600" dirty="0">
                 <a:solidFill>
                   <a:schemeClr val="accent6"/>
                 </a:solidFill>
@@ -28967,7 +27243,7 @@
               <a:t> = 1 – (1 – </a:t>
             </a:r>
             <a:r>
-              <a:rPr lang="el-GR" altLang="en-US" sz="2800" i="1" dirty="0">
+              <a:rPr lang="el-GR" altLang="en-US" sz="2600" i="1" dirty="0">
                 <a:solidFill>
                   <a:schemeClr val="accent6"/>
                 </a:solidFill>
@@ -28978,7 +27254,7 @@
               <a:t>α</a:t>
             </a:r>
             <a:r>
-              <a:rPr lang="en-US" altLang="en-US" sz="2800" i="1" baseline="-25000" dirty="0">
+              <a:rPr lang="en-US" altLang="en-US" sz="2600" i="1" baseline="-25000" dirty="0">
                 <a:solidFill>
                   <a:schemeClr val="accent6"/>
                 </a:solidFill>
@@ -28988,7 +27264,7 @@
               <a:t>PC</a:t>
             </a:r>
             <a:r>
-              <a:rPr lang="en-US" altLang="en-US" sz="2800" dirty="0">
+              <a:rPr lang="en-US" altLang="en-US" sz="2600" dirty="0">
                 <a:solidFill>
                   <a:schemeClr val="accent6"/>
                 </a:solidFill>
@@ -28998,7 +27274,7 @@
               <a:t>)</a:t>
             </a:r>
             <a:r>
-              <a:rPr lang="en-US" altLang="en-US" sz="2800" i="1" baseline="30000" dirty="0">
+              <a:rPr lang="en-US" altLang="en-US" sz="2600" i="1" baseline="30000" dirty="0">
                 <a:solidFill>
                   <a:schemeClr val="accent6"/>
                 </a:solidFill>
@@ -29009,9 +27285,19 @@
             </a:r>
           </a:p>
           <a:p>
+            <a:pPr lvl="1"/>
+            <a:endParaRPr lang="en-US" altLang="en-US" sz="1200" i="1" baseline="30000" dirty="0">
+              <a:solidFill>
+                <a:schemeClr val="accent6"/>
+              </a:solidFill>
+              <a:latin typeface="PT Serif" panose="020A0603040505020204" pitchFamily="18" charset="77"/>
+              <a:ea typeface="ＭＳ Ｐゴシック" panose="020B0600070205080204" pitchFamily="34" charset="-128"/>
+            </a:endParaRPr>
+          </a:p>
+          <a:p>
             <a:pPr lvl="2"/>
             <a:r>
-              <a:rPr lang="en-US" altLang="en-US" sz="2800" i="1" dirty="0">
+              <a:rPr lang="en-US" altLang="en-US" sz="2600" i="1" dirty="0">
                 <a:solidFill>
                   <a:schemeClr val="accent6"/>
                 </a:solidFill>
@@ -29021,7 +27307,7 @@
               <a:t>c</a:t>
             </a:r>
             <a:r>
-              <a:rPr lang="en-US" altLang="en-US" sz="2800" dirty="0">
+              <a:rPr lang="en-US" altLang="en-US" sz="2600" dirty="0">
                 <a:solidFill>
                   <a:schemeClr val="accent6"/>
                 </a:solidFill>
@@ -29033,10 +27319,22 @@
           </a:p>
           <a:p>
             <a:pPr lvl="2"/>
-            <a:r>
-              <a:rPr lang="en-US" altLang="en-US" sz="2800" dirty="0">
-                <a:solidFill>
-                  <a:schemeClr val="accent6"/>
+            <a:endParaRPr lang="en-US" altLang="en-US" sz="1200" dirty="0">
+              <a:solidFill>
+                <a:schemeClr val="accent6"/>
+              </a:solidFill>
+              <a:latin typeface="PT Serif" panose="020A0603040505020204" pitchFamily="18" charset="77"/>
+              <a:ea typeface="ＭＳ Ｐゴシック" panose="020B0600070205080204" pitchFamily="34" charset="-128"/>
+            </a:endParaRPr>
+          </a:p>
+          <a:p>
+            <a:pPr lvl="1"/>
+            <a:r>
+              <a:rPr lang="en-US" altLang="en-US" sz="2600" dirty="0">
+                <a:solidFill>
+                  <a:schemeClr val="accent6">
+                    <a:lumMod val="75000"/>
+                  </a:schemeClr>
                 </a:solidFill>
                 <a:latin typeface="PT Serif" panose="020A0603040505020204" pitchFamily="18" charset="77"/>
                 <a:ea typeface="ＭＳ Ｐゴシック" panose="020B0600070205080204" pitchFamily="34" charset="-128"/>
@@ -29044,9 +27342,11 @@
               <a:t>(1 – </a:t>
             </a:r>
             <a:r>
-              <a:rPr lang="el-GR" altLang="en-US" sz="2800" i="1" dirty="0">
-                <a:solidFill>
-                  <a:schemeClr val="accent6"/>
+              <a:rPr lang="el-GR" altLang="en-US" sz="2600" i="1" dirty="0">
+                <a:solidFill>
+                  <a:schemeClr val="accent6">
+                    <a:lumMod val="75000"/>
+                  </a:schemeClr>
                 </a:solidFill>
                 <a:latin typeface="PT Serif" panose="020A0603040505020204" pitchFamily="18" charset="77"/>
                 <a:ea typeface="ＭＳ Ｐゴシック" panose="020B0600070205080204" pitchFamily="34" charset="-128"/>
@@ -29055,9 +27355,11 @@
               <a:t>α</a:t>
             </a:r>
             <a:r>
-              <a:rPr lang="en-US" altLang="en-US" sz="2800" i="1" baseline="-25000" dirty="0">
-                <a:solidFill>
-                  <a:schemeClr val="accent6"/>
+              <a:rPr lang="en-US" altLang="en-US" sz="2600" i="1" baseline="-25000" dirty="0">
+                <a:solidFill>
+                  <a:schemeClr val="accent6">
+                    <a:lumMod val="75000"/>
+                  </a:schemeClr>
                 </a:solidFill>
                 <a:latin typeface="PT Serif" panose="020A0603040505020204" pitchFamily="18" charset="77"/>
                 <a:ea typeface="ＭＳ Ｐゴシック" panose="020B0600070205080204" pitchFamily="34" charset="-128"/>
@@ -29065,9 +27367,11 @@
               <a:t>PC</a:t>
             </a:r>
             <a:r>
-              <a:rPr lang="en-US" altLang="en-US" sz="2800" dirty="0">
-                <a:solidFill>
-                  <a:schemeClr val="accent6"/>
+              <a:rPr lang="en-US" altLang="en-US" sz="2600" dirty="0">
+                <a:solidFill>
+                  <a:schemeClr val="accent6">
+                    <a:lumMod val="75000"/>
+                  </a:schemeClr>
                 </a:solidFill>
                 <a:latin typeface="PT Serif" panose="020A0603040505020204" pitchFamily="18" charset="77"/>
                 <a:ea typeface="ＭＳ Ｐゴシック" panose="020B0600070205080204" pitchFamily="34" charset="-128"/>
@@ -29075,9 +27379,11 @@
               <a:t>)</a:t>
             </a:r>
             <a:r>
-              <a:rPr lang="en-US" altLang="en-US" sz="2800" i="1" baseline="30000" dirty="0">
-                <a:solidFill>
-                  <a:schemeClr val="accent6"/>
+              <a:rPr lang="en-US" altLang="en-US" sz="2600" i="1" baseline="30000" dirty="0">
+                <a:solidFill>
+                  <a:schemeClr val="accent6">
+                    <a:lumMod val="75000"/>
+                  </a:schemeClr>
                 </a:solidFill>
                 <a:latin typeface="PT Serif" panose="020A0603040505020204" pitchFamily="18" charset="77"/>
                 <a:ea typeface="ＭＳ Ｐゴシック" panose="020B0600070205080204" pitchFamily="34" charset="-128"/>
@@ -29085,9 +27391,11 @@
               <a:t>c</a:t>
             </a:r>
             <a:r>
-              <a:rPr lang="en-US" altLang="en-US" sz="2800" baseline="-25000" dirty="0">
-                <a:solidFill>
-                  <a:schemeClr val="accent6"/>
+              <a:rPr lang="en-US" altLang="en-US" sz="2600" baseline="-25000" dirty="0">
+                <a:solidFill>
+                  <a:schemeClr val="accent6">
+                    <a:lumMod val="75000"/>
+                  </a:schemeClr>
                 </a:solidFill>
                 <a:latin typeface="PT Serif" panose="020A0603040505020204" pitchFamily="18" charset="77"/>
                 <a:ea typeface="ＭＳ Ｐゴシック" panose="020B0600070205080204" pitchFamily="34" charset="-128"/>
@@ -29095,9 +27403,11 @@
               <a:t> </a:t>
             </a:r>
             <a:r>
-              <a:rPr lang="en-US" altLang="en-US" sz="2800" dirty="0">
-                <a:solidFill>
-                  <a:schemeClr val="accent6"/>
+              <a:rPr lang="en-US" altLang="en-US" sz="2600" dirty="0">
+                <a:solidFill>
+                  <a:schemeClr val="accent6">
+                    <a:lumMod val="75000"/>
+                  </a:schemeClr>
                 </a:solidFill>
                 <a:latin typeface="PT Serif" panose="020A0603040505020204" pitchFamily="18" charset="77"/>
                 <a:ea typeface="ＭＳ Ｐゴシック" panose="020B0600070205080204" pitchFamily="34" charset="-128"/>
@@ -29105,9 +27415,11 @@
               <a:t>= </a:t>
             </a:r>
             <a:r>
-              <a:rPr lang="en-US" altLang="en-US" sz="2800" i="1" dirty="0">
-                <a:solidFill>
-                  <a:schemeClr val="accent6"/>
+              <a:rPr lang="en-US" altLang="en-US" sz="2600" i="1" dirty="0">
+                <a:solidFill>
+                  <a:schemeClr val="accent6">
+                    <a:lumMod val="75000"/>
+                  </a:schemeClr>
                 </a:solidFill>
                 <a:latin typeface="PT Serif" panose="020A0603040505020204" pitchFamily="18" charset="77"/>
                 <a:ea typeface="ＭＳ Ｐゴシック" panose="020B0600070205080204" pitchFamily="34" charset="-128"/>
@@ -29115,9 +27427,11 @@
               <a:t>p</a:t>
             </a:r>
             <a:r>
-              <a:rPr lang="en-US" altLang="en-US" sz="2800" dirty="0">
-                <a:solidFill>
-                  <a:schemeClr val="accent6"/>
+              <a:rPr lang="en-US" altLang="en-US" sz="2600" dirty="0">
+                <a:solidFill>
+                  <a:schemeClr val="accent6">
+                    <a:lumMod val="75000"/>
+                  </a:schemeClr>
                 </a:solidFill>
                 <a:latin typeface="PT Serif" panose="020A0603040505020204" pitchFamily="18" charset="77"/>
                 <a:ea typeface="ＭＳ Ｐゴシック" panose="020B0600070205080204" pitchFamily="34" charset="-128"/>
@@ -29125,9 +27439,11 @@
               <a:t>(NOT making Type I error over </a:t>
             </a:r>
             <a:r>
-              <a:rPr lang="en-US" altLang="en-US" sz="2800" i="1" dirty="0">
-                <a:solidFill>
-                  <a:schemeClr val="accent6"/>
+              <a:rPr lang="en-US" altLang="en-US" sz="2600" i="1" dirty="0">
+                <a:solidFill>
+                  <a:schemeClr val="accent6">
+                    <a:lumMod val="75000"/>
+                  </a:schemeClr>
                 </a:solidFill>
                 <a:latin typeface="PT Serif" panose="020A0603040505020204" pitchFamily="18" charset="77"/>
                 <a:ea typeface="ＭＳ Ｐゴシック" panose="020B0600070205080204" pitchFamily="34" charset="-128"/>
@@ -29135,9 +27451,11 @@
               <a:t>c</a:t>
             </a:r>
             <a:r>
-              <a:rPr lang="en-US" altLang="en-US" sz="2800" dirty="0">
-                <a:solidFill>
-                  <a:schemeClr val="accent6"/>
+              <a:rPr lang="en-US" altLang="en-US" sz="2600" dirty="0">
+                <a:solidFill>
+                  <a:schemeClr val="accent6">
+                    <a:lumMod val="75000"/>
+                  </a:schemeClr>
                 </a:solidFill>
                 <a:latin typeface="PT Serif" panose="020A0603040505020204" pitchFamily="18" charset="77"/>
                 <a:ea typeface="ＭＳ Ｐゴシック" panose="020B0600070205080204" pitchFamily="34" charset="-128"/>
@@ -29169,23 +27487,13 @@
           <a:lstStyle/>
           <a:p>
             <a:r>
-              <a:rPr lang="el-GR" altLang="en-US" sz="3200" b="1" i="1" u="sng" dirty="0">
+              <a:rPr lang="en-US" altLang="en-US" sz="3200" b="1" u="sng" dirty="0">
                 <a:solidFill>
                   <a:schemeClr val="accent1"/>
                 </a:solidFill>
                 <a:latin typeface="PT Serif" panose="020A0603040505020204" pitchFamily="18" charset="77"/>
-                <a:cs typeface="Times New Roman" panose="02020603050405020304" pitchFamily="18" charset="0"/>
-              </a:rPr>
-              <a:t>α</a:t>
-            </a:r>
-            <a:r>
-              <a:rPr lang="en-US" altLang="en-US" sz="3200" b="1" u="sng" dirty="0">
-                <a:solidFill>
-                  <a:schemeClr val="accent1"/>
-                </a:solidFill>
-                <a:latin typeface="PT Serif" panose="020A0603040505020204" pitchFamily="18" charset="77"/>
-              </a:rPr>
-              <a:t> also per comparison error rate (</a:t>
+              </a:rPr>
+              <a:t>comparison error rate (</a:t>
             </a:r>
             <a:r>
               <a:rPr lang="el-GR" altLang="en-US" sz="3200" b="1" i="1" u="sng" dirty="0">
@@ -29516,7 +27824,7 @@
                 <a:ea typeface="ＭＳ Ｐゴシック" panose="020B0600070205080204" pitchFamily="34" charset="-128"/>
                 <a:cs typeface="Arial" panose="020B0604020202020204" pitchFamily="34" charset="0"/>
               </a:rPr>
-              <a:t>= ???</a:t>
+              <a:t>= _____</a:t>
             </a:r>
           </a:p>
           <a:p>
@@ -29796,7 +28104,7 @@
         </p:blipFill>
         <p:spPr>
           <a:xfrm>
-            <a:off x="8610600" y="1825625"/>
+            <a:off x="8610600" y="591185"/>
             <a:ext cx="1498997" cy="3958508"/>
           </a:xfrm>
           <a:prstGeom prst="rect">
@@ -29810,6 +28118,50 @@
           </a:solidFill>
         </p:spPr>
       </p:pic>
+      <p:cxnSp>
+        <p:nvCxnSpPr>
+          <p:cNvPr id="8" name="Straight Arrow Connector 7">
+            <a:extLst>
+              <a:ext uri="{FF2B5EF4-FFF2-40B4-BE49-F238E27FC236}">
+                <a16:creationId xmlns:a16="http://schemas.microsoft.com/office/drawing/2014/main" id="{3CBF8613-851B-4E4C-BAC1-0306AAB4B107}"/>
+              </a:ext>
+            </a:extLst>
+          </p:cNvPr>
+          <p:cNvCxnSpPr/>
+          <p:nvPr/>
+        </p:nvCxnSpPr>
+        <p:spPr>
+          <a:xfrm flipV="1">
+            <a:off x="6583680" y="1870075"/>
+            <a:ext cx="1840230" cy="301625"/>
+          </a:xfrm>
+          <a:prstGeom prst="straightConnector1">
+            <a:avLst/>
+          </a:prstGeom>
+          <a:ln w="38100">
+            <a:solidFill>
+              <a:schemeClr val="accent6">
+                <a:lumMod val="75000"/>
+              </a:schemeClr>
+            </a:solidFill>
+            <a:tailEnd type="triangle"/>
+          </a:ln>
+        </p:spPr>
+        <p:style>
+          <a:lnRef idx="1">
+            <a:schemeClr val="accent1"/>
+          </a:lnRef>
+          <a:fillRef idx="0">
+            <a:schemeClr val="accent1"/>
+          </a:fillRef>
+          <a:effectRef idx="0">
+            <a:schemeClr val="accent1"/>
+          </a:effectRef>
+          <a:fontRef idx="minor">
+            <a:schemeClr val="tx1"/>
+          </a:fontRef>
+        </p:style>
+      </p:cxnSp>
     </p:spTree>
     <p:extLst>
       <p:ext uri="{BB962C8B-B14F-4D97-AF65-F5344CB8AC3E}">

--- a/Slides/u04_Ch13_multcomp.pptx
+++ b/Slides/u04_Ch13_multcomp.pptx
@@ -5,7 +5,7 @@
     <p:sldMasterId id="2147483732" r:id="rId1"/>
   </p:sldMasterIdLst>
   <p:notesMasterIdLst>
-    <p:notesMasterId r:id="rId35"/>
+    <p:notesMasterId r:id="rId36"/>
   </p:notesMasterIdLst>
   <p:sldIdLst>
     <p:sldId id="257" r:id="rId2"/>
@@ -41,6 +41,7 @@
     <p:sldId id="280" r:id="rId32"/>
     <p:sldId id="283" r:id="rId33"/>
     <p:sldId id="281" r:id="rId34"/>
+    <p:sldId id="292" r:id="rId35"/>
   </p:sldIdLst>
   <p:sldSz cx="12192000" cy="6858000"/>
   <p:notesSz cx="6858000" cy="9144000"/>
@@ -177,6 +178,7 @@
             <p14:sldId id="280"/>
             <p14:sldId id="283"/>
             <p14:sldId id="281"/>
+            <p14:sldId id="292"/>
           </p14:sldIdLst>
         </p14:section>
       </p14:sectionLst>
@@ -708,6 +710,90 @@
     <p:extLst>
       <p:ext uri="{BB962C8B-B14F-4D97-AF65-F5344CB8AC3E}">
         <p14:creationId xmlns:p14="http://schemas.microsoft.com/office/powerpoint/2010/main" val="3242584960"/>
+      </p:ext>
+    </p:extLst>
+  </p:cSld>
+  <p:clrMapOvr>
+    <a:masterClrMapping/>
+  </p:clrMapOvr>
+</p:notes>
+</file>
+
+<file path=ppt/notesSlides/notesSlide3.xml><?xml version="1.0" encoding="utf-8"?>
+<p:notes xmlns:a="http://schemas.openxmlformats.org/drawingml/2006/main" xmlns:r="http://schemas.openxmlformats.org/officeDocument/2006/relationships" xmlns:p="http://schemas.openxmlformats.org/presentationml/2006/main">
+  <p:cSld>
+    <p:spTree>
+      <p:nvGrpSpPr>
+        <p:cNvPr id="1" name=""/>
+        <p:cNvGrpSpPr/>
+        <p:nvPr/>
+      </p:nvGrpSpPr>
+      <p:grpSpPr>
+        <a:xfrm>
+          <a:off x="0" y="0"/>
+          <a:ext cx="0" cy="0"/>
+          <a:chOff x="0" y="0"/>
+          <a:chExt cx="0" cy="0"/>
+        </a:xfrm>
+      </p:grpSpPr>
+      <p:sp>
+        <p:nvSpPr>
+          <p:cNvPr id="2" name="Slide Image Placeholder 1"/>
+          <p:cNvSpPr>
+            <a:spLocks noGrp="1" noRot="1" noChangeAspect="1"/>
+          </p:cNvSpPr>
+          <p:nvPr>
+            <p:ph type="sldImg"/>
+          </p:nvPr>
+        </p:nvSpPr>
+        <p:spPr/>
+      </p:sp>
+      <p:sp>
+        <p:nvSpPr>
+          <p:cNvPr id="3" name="Notes Placeholder 2"/>
+          <p:cNvSpPr>
+            <a:spLocks noGrp="1"/>
+          </p:cNvSpPr>
+          <p:nvPr>
+            <p:ph type="body" idx="1"/>
+          </p:nvPr>
+        </p:nvSpPr>
+        <p:spPr/>
+        <p:txBody>
+          <a:bodyPr/>
+          <a:lstStyle/>
+          <a:p>
+            <a:endParaRPr lang="en-US"/>
+          </a:p>
+        </p:txBody>
+      </p:sp>
+      <p:sp>
+        <p:nvSpPr>
+          <p:cNvPr id="4" name="Slide Number Placeholder 3"/>
+          <p:cNvSpPr>
+            <a:spLocks noGrp="1"/>
+          </p:cNvSpPr>
+          <p:nvPr>
+            <p:ph type="sldNum" sz="quarter" idx="10"/>
+          </p:nvPr>
+        </p:nvSpPr>
+        <p:spPr/>
+        <p:txBody>
+          <a:bodyPr/>
+          <a:lstStyle/>
+          <a:p>
+            <a:fld id="{068AD8C3-A8D3-403F-8C66-5048C8CDEC52}" type="slidenum">
+              <a:rPr lang="en-US" smtClean="0"/>
+              <a:t>34</a:t>
+            </a:fld>
+            <a:endParaRPr lang="en-US"/>
+          </a:p>
+        </p:txBody>
+      </p:sp>
+    </p:spTree>
+    <p:extLst>
+      <p:ext uri="{BB962C8B-B14F-4D97-AF65-F5344CB8AC3E}">
+        <p14:creationId xmlns:p14="http://schemas.microsoft.com/office/powerpoint/2010/main" val="3826437326"/>
       </p:ext>
     </p:extLst>
   </p:cSld>
@@ -3988,57 +4074,6 @@
           <a:chExt cx="0" cy="0"/>
         </a:xfrm>
       </p:grpSpPr>
-      <p:cxnSp>
-        <p:nvCxnSpPr>
-          <p:cNvPr id="4" name="Straight Connector 3"/>
-          <p:cNvCxnSpPr/>
-          <p:nvPr/>
-        </p:nvCxnSpPr>
-        <p:spPr>
-          <a:xfrm>
-            <a:off x="0" y="0"/>
-            <a:ext cx="914400" cy="0"/>
-          </a:xfrm>
-          <a:prstGeom prst="line">
-            <a:avLst/>
-          </a:prstGeom>
-          <a:ln w="0" cap="flat" cmpd="sng" algn="ctr">
-            <a:solidFill>
-              <a:srgbClr val="FBFFFF"/>
-            </a:solidFill>
-            <a:prstDash val="solid"/>
-            <a:round/>
-            <a:headEnd type="none" w="med" len="med"/>
-            <a:tailEnd type="none" w="med" len="med"/>
-          </a:ln>
-          <a:effectLst/>
-          <a:extLst>
-            <a:ext uri="{AF507438-7753-43E0-B8FC-AC1667EBCBE1}">
-              <a14:hiddenEffects xmlns:a14="http://schemas.microsoft.com/office/drawing/2010/main">
-                <a:effectLst>
-                  <a:outerShdw blurRad="63500" rotWithShape="0">
-                    <a:scrgbClr r="0" g="0" b="0"/>
-                  </a:outerShdw>
-                </a:effectLst>
-              </a14:hiddenEffects>
-            </a:ext>
-          </a:extLst>
-        </p:spPr>
-        <p:style>
-          <a:lnRef idx="1">
-            <a:schemeClr val="accent1"/>
-          </a:lnRef>
-          <a:fillRef idx="0">
-            <a:schemeClr val="accent1"/>
-          </a:fillRef>
-          <a:effectRef idx="0">
-            <a:schemeClr val="accent1"/>
-          </a:effectRef>
-          <a:fontRef idx="minor">
-            <a:schemeClr val="tx1"/>
-          </a:fontRef>
-        </p:style>
-      </p:cxnSp>
       <p:sp>
         <p:nvSpPr>
           <p:cNvPr id="2" name="Title 1"/>
@@ -9047,7 +9082,7 @@
           <a:graphicData uri="http://schemas.openxmlformats.org/presentationml/2006/ole">
             <mc:AlternateContent xmlns:mc="http://schemas.openxmlformats.org/markup-compatibility/2006">
               <mc:Choice xmlns:v="urn:schemas-microsoft-com:vml" Requires="v">
-                <p:oleObj spid="_x0000_s2221" name="Equation" r:id="rId3" imgW="2336760" imgH="431640" progId="Equation.DSMT4">
+                <p:oleObj spid="_x0000_s2227" name="Equation" r:id="rId3" imgW="2336760" imgH="431640" progId="Equation.DSMT4">
                   <p:embed/>
                 </p:oleObj>
               </mc:Choice>
@@ -9120,7 +9155,7 @@
           <a:graphicData uri="http://schemas.openxmlformats.org/presentationml/2006/ole">
             <mc:AlternateContent xmlns:mc="http://schemas.openxmlformats.org/markup-compatibility/2006">
               <mc:Choice xmlns:v="urn:schemas-microsoft-com:vml" Requires="v">
-                <p:oleObj spid="_x0000_s2222" name="Equation" r:id="rId5" imgW="2806560" imgH="241200" progId="Equation.DSMT4">
+                <p:oleObj spid="_x0000_s2228" name="Equation" r:id="rId5" imgW="2806560" imgH="241200" progId="Equation.DSMT4">
                   <p:embed/>
                 </p:oleObj>
               </mc:Choice>
@@ -9188,7 +9223,7 @@
           <a:graphicData uri="http://schemas.openxmlformats.org/presentationml/2006/ole">
             <mc:AlternateContent xmlns:mc="http://schemas.openxmlformats.org/markup-compatibility/2006">
               <mc:Choice xmlns:v="urn:schemas-microsoft-com:vml" Requires="v">
-                <p:oleObj spid="_x0000_s2223" name="Equation" r:id="rId7" imgW="3987720" imgH="406080" progId="Equation.DSMT4">
+                <p:oleObj spid="_x0000_s2229" name="Equation" r:id="rId7" imgW="3987720" imgH="406080" progId="Equation.DSMT4">
                   <p:embed/>
                 </p:oleObj>
               </mc:Choice>
@@ -9982,7 +10017,7 @@
           <a:graphicData uri="http://schemas.openxmlformats.org/presentationml/2006/ole">
             <mc:AlternateContent xmlns:mc="http://schemas.openxmlformats.org/markup-compatibility/2006">
               <mc:Choice xmlns:v="urn:schemas-microsoft-com:vml" Requires="v">
-                <p:oleObj spid="_x0000_s3247" name="Equation" r:id="rId3" imgW="2006280" imgH="888840" progId="Equation.DSMT4">
+                <p:oleObj spid="_x0000_s3253" name="Equation" r:id="rId3" imgW="2006280" imgH="888840" progId="Equation.DSMT4">
                   <p:embed/>
                 </p:oleObj>
               </mc:Choice>
@@ -10053,7 +10088,7 @@
           <a:graphicData uri="http://schemas.openxmlformats.org/presentationml/2006/ole">
             <mc:AlternateContent xmlns:mc="http://schemas.openxmlformats.org/markup-compatibility/2006">
               <mc:Choice xmlns:v="urn:schemas-microsoft-com:vml" Requires="v">
-                <p:oleObj spid="_x0000_s3248" name="Equation" r:id="rId5" imgW="2044440" imgH="952200" progId="Equation.DSMT4">
+                <p:oleObj spid="_x0000_s3254" name="Equation" r:id="rId5" imgW="2044440" imgH="952200" progId="Equation.DSMT4">
                   <p:embed/>
                 </p:oleObj>
               </mc:Choice>
@@ -10932,7 +10967,7 @@
           <a:graphicData uri="http://schemas.openxmlformats.org/presentationml/2006/ole">
             <mc:AlternateContent xmlns:mc="http://schemas.openxmlformats.org/markup-compatibility/2006">
               <mc:Choice xmlns:v="urn:schemas-microsoft-com:vml" Requires="v">
-                <p:oleObj spid="_x0000_s3249" name="Equation" r:id="rId7" imgW="3759120" imgH="749160" progId="Equation.DSMT4">
+                <p:oleObj spid="_x0000_s3255" name="Equation" r:id="rId7" imgW="3759120" imgH="749160" progId="Equation.DSMT4">
                   <p:embed/>
                 </p:oleObj>
               </mc:Choice>
@@ -16183,57 +16218,6 @@
           <a:chExt cx="0" cy="0"/>
         </a:xfrm>
       </p:grpSpPr>
-      <p:cxnSp>
-        <p:nvCxnSpPr>
-          <p:cNvPr id="4" name="Straight Connector 3"/>
-          <p:cNvCxnSpPr/>
-          <p:nvPr/>
-        </p:nvCxnSpPr>
-        <p:spPr>
-          <a:xfrm>
-            <a:off x="0" y="0"/>
-            <a:ext cx="914400" cy="0"/>
-          </a:xfrm>
-          <a:prstGeom prst="line">
-            <a:avLst/>
-          </a:prstGeom>
-          <a:ln w="0" cap="flat" cmpd="sng" algn="ctr">
-            <a:solidFill>
-              <a:srgbClr val="FBFFFF"/>
-            </a:solidFill>
-            <a:prstDash val="solid"/>
-            <a:round/>
-            <a:headEnd type="none" w="med" len="med"/>
-            <a:tailEnd type="none" w="med" len="med"/>
-          </a:ln>
-          <a:effectLst/>
-          <a:extLst>
-            <a:ext uri="{AF507438-7753-43E0-B8FC-AC1667EBCBE1}">
-              <a14:hiddenEffects xmlns:a14="http://schemas.microsoft.com/office/drawing/2010/main">
-                <a:effectLst>
-                  <a:outerShdw blurRad="63500" rotWithShape="0">
-                    <a:scrgbClr r="0" g="0" b="0"/>
-                  </a:outerShdw>
-                </a:effectLst>
-              </a14:hiddenEffects>
-            </a:ext>
-          </a:extLst>
-        </p:spPr>
-        <p:style>
-          <a:lnRef idx="1">
-            <a:schemeClr val="accent1"/>
-          </a:lnRef>
-          <a:fillRef idx="0">
-            <a:schemeClr val="accent1"/>
-          </a:fillRef>
-          <a:effectRef idx="0">
-            <a:schemeClr val="accent1"/>
-          </a:effectRef>
-          <a:fontRef idx="minor">
-            <a:schemeClr val="tx1"/>
-          </a:fontRef>
-        </p:style>
-      </p:cxnSp>
       <p:sp>
         <p:nvSpPr>
           <p:cNvPr id="8" name="Footer Placeholder 7"/>
@@ -17674,7 +17658,7 @@
           <a:graphicData uri="http://schemas.openxmlformats.org/presentationml/2006/ole">
             <mc:AlternateContent xmlns:mc="http://schemas.openxmlformats.org/markup-compatibility/2006">
               <mc:Choice xmlns:v="urn:schemas-microsoft-com:vml" Requires="v">
-                <p:oleObj spid="_x0000_s4210" name="Equation" r:id="rId3" imgW="583920" imgH="444240" progId="Equation.DSMT4">
+                <p:oleObj spid="_x0000_s4214" name="Equation" r:id="rId3" imgW="583920" imgH="444240" progId="Equation.DSMT4">
                   <p:embed/>
                 </p:oleObj>
               </mc:Choice>
@@ -17742,7 +17726,7 @@
           <a:graphicData uri="http://schemas.openxmlformats.org/presentationml/2006/ole">
             <mc:AlternateContent xmlns:mc="http://schemas.openxmlformats.org/markup-compatibility/2006">
               <mc:Choice xmlns:v="urn:schemas-microsoft-com:vml" Requires="v">
-                <p:oleObj spid="_x0000_s4211" name="Equation" r:id="rId5" imgW="939600" imgH="444240" progId="Equation.DSMT4">
+                <p:oleObj spid="_x0000_s4215" name="Equation" r:id="rId5" imgW="939600" imgH="444240" progId="Equation.DSMT4">
                   <p:embed/>
                 </p:oleObj>
               </mc:Choice>
@@ -19399,7 +19383,7 @@
           <a:graphicData uri="http://schemas.openxmlformats.org/presentationml/2006/ole">
             <mc:AlternateContent xmlns:mc="http://schemas.openxmlformats.org/markup-compatibility/2006">
               <mc:Choice xmlns:v="urn:schemas-microsoft-com:vml" Requires="v">
-                <p:oleObj spid="_x0000_s5234" name="Equation" r:id="rId3" imgW="495000" imgH="495000" progId="Equation.DSMT4">
+                <p:oleObj spid="_x0000_s5238" name="Equation" r:id="rId3" imgW="495000" imgH="495000" progId="Equation.DSMT4">
                   <p:embed/>
                 </p:oleObj>
               </mc:Choice>
@@ -20046,7 +20030,7 @@
           <a:graphicData uri="http://schemas.openxmlformats.org/presentationml/2006/ole">
             <mc:AlternateContent xmlns:mc="http://schemas.openxmlformats.org/markup-compatibility/2006">
               <mc:Choice xmlns:v="urn:schemas-microsoft-com:vml" Requires="v">
-                <p:oleObj spid="_x0000_s5235" name="Equation" r:id="rId5" imgW="787320" imgH="698400" progId="Equation.DSMT4">
+                <p:oleObj spid="_x0000_s5239" name="Equation" r:id="rId5" imgW="787320" imgH="698400" progId="Equation.DSMT4">
                   <p:embed/>
                 </p:oleObj>
               </mc:Choice>
@@ -21806,7 +21790,7 @@
           <a:graphicData uri="http://schemas.openxmlformats.org/presentationml/2006/ole">
             <mc:AlternateContent xmlns:mc="http://schemas.openxmlformats.org/markup-compatibility/2006">
               <mc:Choice xmlns:v="urn:schemas-microsoft-com:vml" Requires="v">
-                <p:oleObj spid="_x0000_s6203" name="Equation" r:id="rId3" imgW="787320" imgH="698400" progId="Equation.DSMT4">
+                <p:oleObj spid="_x0000_s6205" name="Equation" r:id="rId3" imgW="787320" imgH="698400" progId="Equation.DSMT4">
                   <p:embed/>
                 </p:oleObj>
               </mc:Choice>
@@ -23443,7 +23427,7 @@
           <a:graphicData uri="http://schemas.openxmlformats.org/presentationml/2006/ole">
             <mc:AlternateContent xmlns:mc="http://schemas.openxmlformats.org/markup-compatibility/2006">
               <mc:Choice xmlns:v="urn:schemas-microsoft-com:vml" Requires="v">
-                <p:oleObj spid="_x0000_s7226" name="Equation" r:id="rId3" imgW="787320" imgH="698400" progId="Equation.DSMT4">
+                <p:oleObj spid="_x0000_s7228" name="Equation" r:id="rId3" imgW="787320" imgH="698400" progId="Equation.DSMT4">
                   <p:embed/>
                 </p:oleObj>
               </mc:Choice>
@@ -26223,6 +26207,97 @@
     <p:extLst>
       <p:ext uri="{BB962C8B-B14F-4D97-AF65-F5344CB8AC3E}">
         <p14:creationId xmlns:p14="http://schemas.microsoft.com/office/powerpoint/2010/main" val="4130900492"/>
+      </p:ext>
+    </p:extLst>
+  </p:cSld>
+  <p:clrMapOvr>
+    <a:masterClrMapping/>
+  </p:clrMapOvr>
+</p:sld>
+</file>
+
+<file path=ppt/slides/slide34.xml><?xml version="1.0" encoding="utf-8"?>
+<p:sld xmlns:a="http://schemas.openxmlformats.org/drawingml/2006/main" xmlns:r="http://schemas.openxmlformats.org/officeDocument/2006/relationships" xmlns:p="http://schemas.openxmlformats.org/presentationml/2006/main">
+  <p:cSld>
+    <p:bg>
+      <p:bgPr>
+        <a:solidFill>
+          <a:srgbClr val="C00000"/>
+        </a:solidFill>
+        <a:effectLst/>
+      </p:bgPr>
+    </p:bg>
+    <p:spTree>
+      <p:nvGrpSpPr>
+        <p:cNvPr id="1" name=""/>
+        <p:cNvGrpSpPr/>
+        <p:nvPr/>
+      </p:nvGrpSpPr>
+      <p:grpSpPr>
+        <a:xfrm>
+          <a:off x="0" y="0"/>
+          <a:ext cx="0" cy="0"/>
+          <a:chOff x="0" y="0"/>
+          <a:chExt cx="0" cy="0"/>
+        </a:xfrm>
+      </p:grpSpPr>
+      <p:sp>
+        <p:nvSpPr>
+          <p:cNvPr id="9" name="Slide Number Placeholder 8"/>
+          <p:cNvSpPr>
+            <a:spLocks noGrp="1"/>
+          </p:cNvSpPr>
+          <p:nvPr>
+            <p:ph type="sldNum" sz="quarter" idx="12"/>
+          </p:nvPr>
+        </p:nvSpPr>
+        <p:spPr/>
+        <p:txBody>
+          <a:bodyPr/>
+          <a:lstStyle/>
+          <a:p>
+            <a:fld id="{4FAB73BC-B049-4115-A692-8D63A059BFB8}" type="slidenum">
+              <a:rPr lang="en-US" smtClean="0"/>
+              <a:t>34</a:t>
+            </a:fld>
+            <a:endParaRPr lang="en-US" dirty="0"/>
+          </a:p>
+        </p:txBody>
+      </p:sp>
+      <p:pic>
+        <p:nvPicPr>
+          <p:cNvPr id="2" name="Picture 1">
+            <a:extLst>
+              <a:ext uri="{FF2B5EF4-FFF2-40B4-BE49-F238E27FC236}">
+                <a16:creationId xmlns:a16="http://schemas.microsoft.com/office/drawing/2014/main" id="{3A9B5001-F25A-4B47-97C2-2AD24A96177E}"/>
+              </a:ext>
+            </a:extLst>
+          </p:cNvPr>
+          <p:cNvPicPr>
+            <a:picLocks noChangeAspect="1"/>
+          </p:cNvPicPr>
+          <p:nvPr/>
+        </p:nvPicPr>
+        <p:blipFill>
+          <a:blip r:embed="rId3"/>
+          <a:stretch>
+            <a:fillRect/>
+          </a:stretch>
+        </p:blipFill>
+        <p:spPr>
+          <a:xfrm>
+            <a:off x="0" y="582929"/>
+            <a:ext cx="12192000" cy="5712822"/>
+          </a:xfrm>
+          <a:prstGeom prst="rect">
+            <a:avLst/>
+          </a:prstGeom>
+        </p:spPr>
+      </p:pic>
+    </p:spTree>
+    <p:extLst>
+      <p:ext uri="{BB962C8B-B14F-4D97-AF65-F5344CB8AC3E}">
+        <p14:creationId xmlns:p14="http://schemas.microsoft.com/office/powerpoint/2010/main" val="2903645913"/>
       </p:ext>
     </p:extLst>
   </p:cSld>
